--- a/wireframe.pptx
+++ b/wireframe.pptx
@@ -10,14 +10,16 @@
     <p:sldId id="268" r:id="rId4"/>
     <p:sldId id="258" r:id="rId5"/>
     <p:sldId id="256" r:id="rId6"/>
-    <p:sldId id="263" r:id="rId7"/>
-    <p:sldId id="260" r:id="rId8"/>
-    <p:sldId id="261" r:id="rId9"/>
-    <p:sldId id="264" r:id="rId10"/>
-    <p:sldId id="265" r:id="rId11"/>
-    <p:sldId id="266" r:id="rId12"/>
-    <p:sldId id="267" r:id="rId13"/>
-    <p:sldId id="257" r:id="rId14"/>
+    <p:sldId id="270" r:id="rId7"/>
+    <p:sldId id="263" r:id="rId8"/>
+    <p:sldId id="260" r:id="rId9"/>
+    <p:sldId id="261" r:id="rId10"/>
+    <p:sldId id="264" r:id="rId11"/>
+    <p:sldId id="265" r:id="rId12"/>
+    <p:sldId id="266" r:id="rId13"/>
+    <p:sldId id="267" r:id="rId14"/>
+    <p:sldId id="269" r:id="rId15"/>
+    <p:sldId id="257" r:id="rId16"/>
   </p:sldIdLst>
   <p:sldSz cx="6858000" cy="12192000"/>
   <p:notesSz cx="6858000" cy="9144000"/>
@@ -255,7 +257,7 @@
           <a:p>
             <a:fld id="{E8A28DF1-2A00-044D-956F-DB4978EFB1DB}" type="datetimeFigureOut">
               <a:rPr lang="en-US" smtClean="0"/>
-              <a:t>3/10/17</a:t>
+              <a:t>3/13/17</a:t>
             </a:fld>
             <a:endParaRPr lang="en-US"/>
           </a:p>
@@ -425,7 +427,7 @@
           <a:p>
             <a:fld id="{E8A28DF1-2A00-044D-956F-DB4978EFB1DB}" type="datetimeFigureOut">
               <a:rPr lang="en-US" smtClean="0"/>
-              <a:t>3/10/17</a:t>
+              <a:t>3/13/17</a:t>
             </a:fld>
             <a:endParaRPr lang="en-US"/>
           </a:p>
@@ -605,7 +607,7 @@
           <a:p>
             <a:fld id="{E8A28DF1-2A00-044D-956F-DB4978EFB1DB}" type="datetimeFigureOut">
               <a:rPr lang="en-US" smtClean="0"/>
-              <a:t>3/10/17</a:t>
+              <a:t>3/13/17</a:t>
             </a:fld>
             <a:endParaRPr lang="en-US"/>
           </a:p>
@@ -775,7 +777,7 @@
           <a:p>
             <a:fld id="{E8A28DF1-2A00-044D-956F-DB4978EFB1DB}" type="datetimeFigureOut">
               <a:rPr lang="en-US" smtClean="0"/>
-              <a:t>3/10/17</a:t>
+              <a:t>3/13/17</a:t>
             </a:fld>
             <a:endParaRPr lang="en-US"/>
           </a:p>
@@ -1019,7 +1021,7 @@
           <a:p>
             <a:fld id="{E8A28DF1-2A00-044D-956F-DB4978EFB1DB}" type="datetimeFigureOut">
               <a:rPr lang="en-US" smtClean="0"/>
-              <a:t>3/10/17</a:t>
+              <a:t>3/13/17</a:t>
             </a:fld>
             <a:endParaRPr lang="en-US"/>
           </a:p>
@@ -1251,7 +1253,7 @@
           <a:p>
             <a:fld id="{E8A28DF1-2A00-044D-956F-DB4978EFB1DB}" type="datetimeFigureOut">
               <a:rPr lang="en-US" smtClean="0"/>
-              <a:t>3/10/17</a:t>
+              <a:t>3/13/17</a:t>
             </a:fld>
             <a:endParaRPr lang="en-US"/>
           </a:p>
@@ -1618,7 +1620,7 @@
           <a:p>
             <a:fld id="{E8A28DF1-2A00-044D-956F-DB4978EFB1DB}" type="datetimeFigureOut">
               <a:rPr lang="en-US" smtClean="0"/>
-              <a:t>3/10/17</a:t>
+              <a:t>3/13/17</a:t>
             </a:fld>
             <a:endParaRPr lang="en-US"/>
           </a:p>
@@ -1736,7 +1738,7 @@
           <a:p>
             <a:fld id="{E8A28DF1-2A00-044D-956F-DB4978EFB1DB}" type="datetimeFigureOut">
               <a:rPr lang="en-US" smtClean="0"/>
-              <a:t>3/10/17</a:t>
+              <a:t>3/13/17</a:t>
             </a:fld>
             <a:endParaRPr lang="en-US"/>
           </a:p>
@@ -1831,7 +1833,7 @@
           <a:p>
             <a:fld id="{E8A28DF1-2A00-044D-956F-DB4978EFB1DB}" type="datetimeFigureOut">
               <a:rPr lang="en-US" smtClean="0"/>
-              <a:t>3/10/17</a:t>
+              <a:t>3/13/17</a:t>
             </a:fld>
             <a:endParaRPr lang="en-US"/>
           </a:p>
@@ -2108,7 +2110,7 @@
           <a:p>
             <a:fld id="{E8A28DF1-2A00-044D-956F-DB4978EFB1DB}" type="datetimeFigureOut">
               <a:rPr lang="en-US" smtClean="0"/>
-              <a:t>3/10/17</a:t>
+              <a:t>3/13/17</a:t>
             </a:fld>
             <a:endParaRPr lang="en-US"/>
           </a:p>
@@ -2365,7 +2367,7 @@
           <a:p>
             <a:fld id="{E8A28DF1-2A00-044D-956F-DB4978EFB1DB}" type="datetimeFigureOut">
               <a:rPr lang="en-US" smtClean="0"/>
-              <a:t>3/10/17</a:t>
+              <a:t>3/13/17</a:t>
             </a:fld>
             <a:endParaRPr lang="en-US"/>
           </a:p>
@@ -2578,7 +2580,7 @@
           <a:p>
             <a:fld id="{E8A28DF1-2A00-044D-956F-DB4978EFB1DB}" type="datetimeFigureOut">
               <a:rPr lang="en-US" smtClean="0"/>
-              <a:t>3/10/17</a:t>
+              <a:t>3/13/17</a:t>
             </a:fld>
             <a:endParaRPr lang="en-US"/>
           </a:p>
@@ -3068,6 +3070,89 @@
       </p:grpSpPr>
       <p:sp>
         <p:nvSpPr>
+          <p:cNvPr id="2" name="Title 1"/>
+          <p:cNvSpPr>
+            <a:spLocks noGrp="1"/>
+          </p:cNvSpPr>
+          <p:nvPr>
+            <p:ph type="title"/>
+          </p:nvPr>
+        </p:nvSpPr>
+        <p:spPr/>
+        <p:txBody>
+          <a:bodyPr/>
+          <a:lstStyle/>
+          <a:p>
+            <a:r>
+              <a:rPr lang="en-US" dirty="0" smtClean="0"/>
+              <a:t>Authenticat</a:t>
+            </a:r>
+            <a:r>
+              <a:rPr lang="en-US" u="sng" dirty="0" smtClean="0"/>
+              <a:t>ed</a:t>
+            </a:r>
+            <a:endParaRPr lang="en-US" u="sng" dirty="0"/>
+          </a:p>
+        </p:txBody>
+      </p:sp>
+      <p:sp>
+        <p:nvSpPr>
+          <p:cNvPr id="3" name="Content Placeholder 2"/>
+          <p:cNvSpPr>
+            <a:spLocks noGrp="1"/>
+          </p:cNvSpPr>
+          <p:nvPr>
+            <p:ph idx="1"/>
+          </p:nvPr>
+        </p:nvSpPr>
+        <p:spPr/>
+        <p:txBody>
+          <a:bodyPr/>
+          <a:lstStyle/>
+          <a:p>
+            <a:endParaRPr lang="en-US"/>
+          </a:p>
+        </p:txBody>
+      </p:sp>
+    </p:spTree>
+    <p:extLst>
+      <p:ext uri="{BB962C8B-B14F-4D97-AF65-F5344CB8AC3E}">
+        <p14:creationId xmlns:p14="http://schemas.microsoft.com/office/powerpoint/2010/main" val="999207344"/>
+      </p:ext>
+    </p:extLst>
+  </p:cSld>
+  <p:clrMapOvr>
+    <a:masterClrMapping/>
+  </p:clrMapOvr>
+  <p:timing>
+    <p:tnLst>
+      <p:par>
+        <p:cTn id="1" dur="indefinite" restart="never" nodeType="tmRoot"/>
+      </p:par>
+    </p:tnLst>
+  </p:timing>
+</p:sld>
+</file>
+
+<file path=ppt/slides/slide11.xml><?xml version="1.0" encoding="utf-8"?>
+<p:sld xmlns:a="http://schemas.openxmlformats.org/drawingml/2006/main" xmlns:r="http://schemas.openxmlformats.org/officeDocument/2006/relationships" xmlns:p="http://schemas.openxmlformats.org/presentationml/2006/main">
+  <p:cSld>
+    <p:spTree>
+      <p:nvGrpSpPr>
+        <p:cNvPr id="1" name=""/>
+        <p:cNvGrpSpPr/>
+        <p:nvPr/>
+      </p:nvGrpSpPr>
+      <p:grpSpPr>
+        <a:xfrm>
+          <a:off x="0" y="0"/>
+          <a:ext cx="0" cy="0"/>
+          <a:chOff x="0" y="0"/>
+          <a:chExt cx="0" cy="0"/>
+        </a:xfrm>
+      </p:grpSpPr>
+      <p:sp>
+        <p:nvSpPr>
           <p:cNvPr id="7" name="Rectangle 6"/>
           <p:cNvSpPr/>
           <p:nvPr/>
@@ -5835,7 +5920,7 @@
 </p:sld>
 </file>
 
-<file path=ppt/slides/slide11.xml><?xml version="1.0" encoding="utf-8"?>
+<file path=ppt/slides/slide12.xml><?xml version="1.0" encoding="utf-8"?>
 <p:sld xmlns:a="http://schemas.openxmlformats.org/drawingml/2006/main" xmlns:r="http://schemas.openxmlformats.org/officeDocument/2006/relationships" xmlns:p="http://schemas.openxmlformats.org/presentationml/2006/main">
   <p:cSld>
     <p:spTree>
@@ -9661,7 +9746,7 @@
 </p:sld>
 </file>
 
-<file path=ppt/slides/slide12.xml><?xml version="1.0" encoding="utf-8"?>
+<file path=ppt/slides/slide13.xml><?xml version="1.0" encoding="utf-8"?>
 <p:sld xmlns:a="http://schemas.openxmlformats.org/drawingml/2006/main" xmlns:r="http://schemas.openxmlformats.org/officeDocument/2006/relationships" xmlns:p="http://schemas.openxmlformats.org/presentationml/2006/main">
   <p:cSld>
     <p:spTree>
@@ -12893,7 +12978,2656 @@
 </p:sld>
 </file>
 
-<file path=ppt/slides/slide13.xml><?xml version="1.0" encoding="utf-8"?>
+<file path=ppt/slides/slide14.xml><?xml version="1.0" encoding="utf-8"?>
+<p:sld xmlns:a="http://schemas.openxmlformats.org/drawingml/2006/main" xmlns:r="http://schemas.openxmlformats.org/officeDocument/2006/relationships" xmlns:p="http://schemas.openxmlformats.org/presentationml/2006/main">
+  <p:cSld>
+    <p:spTree>
+      <p:nvGrpSpPr>
+        <p:cNvPr id="1" name=""/>
+        <p:cNvGrpSpPr/>
+        <p:nvPr/>
+      </p:nvGrpSpPr>
+      <p:grpSpPr>
+        <a:xfrm>
+          <a:off x="0" y="0"/>
+          <a:ext cx="0" cy="0"/>
+          <a:chOff x="0" y="0"/>
+          <a:chExt cx="0" cy="0"/>
+        </a:xfrm>
+      </p:grpSpPr>
+      <p:sp>
+        <p:nvSpPr>
+          <p:cNvPr id="7" name="Rectangle 6"/>
+          <p:cNvSpPr/>
+          <p:nvPr/>
+        </p:nvSpPr>
+        <p:spPr>
+          <a:xfrm>
+            <a:off x="-2" y="-1"/>
+            <a:ext cx="6858002" cy="10880764"/>
+          </a:xfrm>
+          <a:prstGeom prst="rect">
+            <a:avLst/>
+          </a:prstGeom>
+          <a:solidFill>
+            <a:schemeClr val="tx2">
+              <a:lumMod val="20000"/>
+              <a:lumOff val="80000"/>
+            </a:schemeClr>
+          </a:solidFill>
+          <a:ln>
+            <a:noFill/>
+          </a:ln>
+        </p:spPr>
+        <p:style>
+          <a:lnRef idx="2">
+            <a:schemeClr val="accent1">
+              <a:shade val="50000"/>
+            </a:schemeClr>
+          </a:lnRef>
+          <a:fillRef idx="1">
+            <a:schemeClr val="accent1"/>
+          </a:fillRef>
+          <a:effectRef idx="0">
+            <a:schemeClr val="accent1"/>
+          </a:effectRef>
+          <a:fontRef idx="minor">
+            <a:schemeClr val="lt1"/>
+          </a:fontRef>
+        </p:style>
+        <p:txBody>
+          <a:bodyPr rtlCol="0" anchor="ctr"/>
+          <a:lstStyle/>
+          <a:p>
+            <a:pPr algn="ctr"/>
+            <a:endParaRPr lang="en-US" dirty="0"/>
+          </a:p>
+        </p:txBody>
+      </p:sp>
+      <p:pic>
+        <p:nvPicPr>
+          <p:cNvPr id="6" name="Picture 5"/>
+          <p:cNvPicPr>
+            <a:picLocks noChangeAspect="1"/>
+          </p:cNvPicPr>
+          <p:nvPr/>
+        </p:nvPicPr>
+        <p:blipFill rotWithShape="1">
+          <a:blip r:embed="rId2">
+            <a:extLst>
+              <a:ext uri="{28A0092B-C50C-407E-A947-70E740481C1C}">
+                <a14:useLocalDpi xmlns:a14="http://schemas.microsoft.com/office/drawing/2010/main" val="0"/>
+              </a:ext>
+            </a:extLst>
+          </a:blip>
+          <a:srcRect b="90676"/>
+          <a:stretch/>
+        </p:blipFill>
+        <p:spPr>
+          <a:xfrm>
+            <a:off x="0" y="0"/>
+            <a:ext cx="6858000" cy="417838"/>
+          </a:xfrm>
+          <a:prstGeom prst="rect">
+            <a:avLst/>
+          </a:prstGeom>
+        </p:spPr>
+      </p:pic>
+      <p:grpSp>
+        <p:nvGrpSpPr>
+          <p:cNvPr id="23" name="Group 22"/>
+          <p:cNvGrpSpPr/>
+          <p:nvPr/>
+        </p:nvGrpSpPr>
+        <p:grpSpPr>
+          <a:xfrm>
+            <a:off x="648933" y="8394414"/>
+            <a:ext cx="4281535" cy="1154162"/>
+            <a:chOff x="1108320" y="1327209"/>
+            <a:chExt cx="4281535" cy="1154162"/>
+          </a:xfrm>
+        </p:grpSpPr>
+        <p:grpSp>
+          <p:nvGrpSpPr>
+            <p:cNvPr id="18" name="Group 17"/>
+            <p:cNvGrpSpPr/>
+            <p:nvPr/>
+          </p:nvGrpSpPr>
+          <p:grpSpPr>
+            <a:xfrm>
+              <a:off x="1108320" y="1340304"/>
+              <a:ext cx="1127974" cy="1127973"/>
+              <a:chOff x="2741428" y="864781"/>
+              <a:chExt cx="1362741" cy="1362740"/>
+            </a:xfrm>
+          </p:grpSpPr>
+          <p:sp>
+            <p:nvSpPr>
+              <p:cNvPr id="10" name="Rectangle 9"/>
+              <p:cNvSpPr/>
+              <p:nvPr/>
+            </p:nvSpPr>
+            <p:spPr>
+              <a:xfrm>
+                <a:off x="2741428" y="864781"/>
+                <a:ext cx="1362740" cy="1362740"/>
+              </a:xfrm>
+              <a:prstGeom prst="rect">
+                <a:avLst/>
+              </a:prstGeom>
+              <a:solidFill>
+                <a:schemeClr val="bg1"/>
+              </a:solidFill>
+              <a:ln>
+                <a:solidFill>
+                  <a:schemeClr val="tx1"/>
+                </a:solidFill>
+              </a:ln>
+            </p:spPr>
+            <p:style>
+              <a:lnRef idx="2">
+                <a:schemeClr val="accent1">
+                  <a:shade val="50000"/>
+                </a:schemeClr>
+              </a:lnRef>
+              <a:fillRef idx="1">
+                <a:schemeClr val="accent1"/>
+              </a:fillRef>
+              <a:effectRef idx="0">
+                <a:schemeClr val="accent1"/>
+              </a:effectRef>
+              <a:fontRef idx="minor">
+                <a:schemeClr val="lt1"/>
+              </a:fontRef>
+            </p:style>
+            <p:txBody>
+              <a:bodyPr rtlCol="0" anchor="ctr"/>
+              <a:lstStyle/>
+              <a:p>
+                <a:pPr algn="ctr"/>
+                <a:r>
+                  <a:rPr lang="en-US" smtClean="0"/>
+                  <a:t> </a:t>
+                </a:r>
+                <a:endParaRPr lang="en-US"/>
+              </a:p>
+            </p:txBody>
+          </p:sp>
+          <p:cxnSp>
+            <p:nvCxnSpPr>
+              <p:cNvPr id="12" name="Straight Connector 11"/>
+              <p:cNvCxnSpPr/>
+              <p:nvPr/>
+            </p:nvCxnSpPr>
+            <p:spPr>
+              <a:xfrm>
+                <a:off x="2741428" y="864781"/>
+                <a:ext cx="1362740" cy="1362740"/>
+              </a:xfrm>
+              <a:prstGeom prst="line">
+                <a:avLst/>
+              </a:prstGeom>
+              <a:ln w="12700">
+                <a:solidFill>
+                  <a:schemeClr val="tx1"/>
+                </a:solidFill>
+              </a:ln>
+            </p:spPr>
+            <p:style>
+              <a:lnRef idx="1">
+                <a:schemeClr val="accent1"/>
+              </a:lnRef>
+              <a:fillRef idx="0">
+                <a:schemeClr val="accent1"/>
+              </a:fillRef>
+              <a:effectRef idx="0">
+                <a:schemeClr val="accent1"/>
+              </a:effectRef>
+              <a:fontRef idx="minor">
+                <a:schemeClr val="tx1"/>
+              </a:fontRef>
+            </p:style>
+          </p:cxnSp>
+          <p:cxnSp>
+            <p:nvCxnSpPr>
+              <p:cNvPr id="16" name="Straight Connector 15"/>
+              <p:cNvCxnSpPr/>
+              <p:nvPr/>
+            </p:nvCxnSpPr>
+            <p:spPr>
+              <a:xfrm flipH="1">
+                <a:off x="2741428" y="864781"/>
+                <a:ext cx="1362741" cy="1362740"/>
+              </a:xfrm>
+              <a:prstGeom prst="line">
+                <a:avLst/>
+              </a:prstGeom>
+              <a:ln w="12700">
+                <a:solidFill>
+                  <a:schemeClr val="tx1"/>
+                </a:solidFill>
+              </a:ln>
+            </p:spPr>
+            <p:style>
+              <a:lnRef idx="1">
+                <a:schemeClr val="accent1"/>
+              </a:lnRef>
+              <a:fillRef idx="0">
+                <a:schemeClr val="accent1"/>
+              </a:fillRef>
+              <a:effectRef idx="0">
+                <a:schemeClr val="accent1"/>
+              </a:effectRef>
+              <a:fontRef idx="minor">
+                <a:schemeClr val="tx1"/>
+              </a:fontRef>
+            </p:style>
+          </p:cxnSp>
+        </p:grpSp>
+        <p:sp>
+          <p:nvSpPr>
+            <p:cNvPr id="21" name="TextBox 20"/>
+            <p:cNvSpPr txBox="1"/>
+            <p:nvPr/>
+          </p:nvSpPr>
+          <p:spPr>
+            <a:xfrm>
+              <a:off x="2308422" y="1327209"/>
+              <a:ext cx="3081433" cy="1154162"/>
+            </a:xfrm>
+            <a:prstGeom prst="rect">
+              <a:avLst/>
+            </a:prstGeom>
+            <a:noFill/>
+          </p:spPr>
+          <p:txBody>
+            <a:bodyPr wrap="square" rtlCol="0">
+              <a:spAutoFit/>
+            </a:bodyPr>
+            <a:lstStyle/>
+            <a:p>
+              <a:r>
+                <a:rPr lang="en-US" dirty="0" smtClean="0">
+                  <a:latin typeface="Cambria" charset="0"/>
+                  <a:ea typeface="Cambria" charset="0"/>
+                  <a:cs typeface="Cambria" charset="0"/>
+                </a:rPr>
+                <a:t>Donald Trump</a:t>
+              </a:r>
+            </a:p>
+            <a:p>
+              <a:endParaRPr lang="en-US" sz="1000" dirty="0">
+                <a:latin typeface="Cambria" charset="0"/>
+                <a:ea typeface="Cambria" charset="0"/>
+                <a:cs typeface="Cambria" charset="0"/>
+              </a:endParaRPr>
+            </a:p>
+            <a:p>
+              <a:pPr algn="just"/>
+              <a:r>
+                <a:rPr lang="en-US" sz="1000" dirty="0" err="1">
+                  <a:latin typeface="Cambria" charset="0"/>
+                  <a:ea typeface="Cambria" charset="0"/>
+                  <a:cs typeface="Cambria" charset="0"/>
+                </a:rPr>
+                <a:t>Lorem</a:t>
+              </a:r>
+              <a:r>
+                <a:rPr lang="en-US" sz="1000" dirty="0">
+                  <a:latin typeface="Cambria" charset="0"/>
+                  <a:ea typeface="Cambria" charset="0"/>
+                  <a:cs typeface="Cambria" charset="0"/>
+                </a:rPr>
+                <a:t> </a:t>
+              </a:r>
+              <a:r>
+                <a:rPr lang="en-US" sz="1000" dirty="0" err="1">
+                  <a:latin typeface="Cambria" charset="0"/>
+                  <a:ea typeface="Cambria" charset="0"/>
+                  <a:cs typeface="Cambria" charset="0"/>
+                </a:rPr>
+                <a:t>ipsum</a:t>
+              </a:r>
+              <a:r>
+                <a:rPr lang="en-US" sz="1000" dirty="0">
+                  <a:latin typeface="Cambria" charset="0"/>
+                  <a:ea typeface="Cambria" charset="0"/>
+                  <a:cs typeface="Cambria" charset="0"/>
+                </a:rPr>
+                <a:t> dolor sit </a:t>
+              </a:r>
+              <a:r>
+                <a:rPr lang="en-US" sz="1000" dirty="0" err="1">
+                  <a:latin typeface="Cambria" charset="0"/>
+                  <a:ea typeface="Cambria" charset="0"/>
+                  <a:cs typeface="Cambria" charset="0"/>
+                </a:rPr>
+                <a:t>amet</a:t>
+              </a:r>
+              <a:r>
+                <a:rPr lang="en-US" sz="1000" dirty="0">
+                  <a:latin typeface="Cambria" charset="0"/>
+                  <a:ea typeface="Cambria" charset="0"/>
+                  <a:cs typeface="Cambria" charset="0"/>
+                </a:rPr>
+                <a:t>, </a:t>
+              </a:r>
+              <a:r>
+                <a:rPr lang="en-US" sz="1000" dirty="0" err="1">
+                  <a:latin typeface="Cambria" charset="0"/>
+                  <a:ea typeface="Cambria" charset="0"/>
+                  <a:cs typeface="Cambria" charset="0"/>
+                </a:rPr>
+                <a:t>consectetur</a:t>
+              </a:r>
+              <a:r>
+                <a:rPr lang="en-US" sz="1000" dirty="0">
+                  <a:latin typeface="Cambria" charset="0"/>
+                  <a:ea typeface="Cambria" charset="0"/>
+                  <a:cs typeface="Cambria" charset="0"/>
+                </a:rPr>
+                <a:t> </a:t>
+              </a:r>
+              <a:r>
+                <a:rPr lang="en-US" sz="1000" dirty="0" err="1">
+                  <a:latin typeface="Cambria" charset="0"/>
+                  <a:ea typeface="Cambria" charset="0"/>
+                  <a:cs typeface="Cambria" charset="0"/>
+                </a:rPr>
+                <a:t>adipiscing</a:t>
+              </a:r>
+              <a:r>
+                <a:rPr lang="en-US" sz="1000" dirty="0">
+                  <a:latin typeface="Cambria" charset="0"/>
+                  <a:ea typeface="Cambria" charset="0"/>
+                  <a:cs typeface="Cambria" charset="0"/>
+                </a:rPr>
+                <a:t> </a:t>
+              </a:r>
+              <a:r>
+                <a:rPr lang="en-US" sz="1000" dirty="0" err="1">
+                  <a:latin typeface="Cambria" charset="0"/>
+                  <a:ea typeface="Cambria" charset="0"/>
+                  <a:cs typeface="Cambria" charset="0"/>
+                </a:rPr>
+                <a:t>elit</a:t>
+              </a:r>
+              <a:r>
+                <a:rPr lang="en-US" sz="1000" dirty="0">
+                  <a:latin typeface="Cambria" charset="0"/>
+                  <a:ea typeface="Cambria" charset="0"/>
+                  <a:cs typeface="Cambria" charset="0"/>
+                </a:rPr>
+                <a:t>. </a:t>
+              </a:r>
+              <a:r>
+                <a:rPr lang="en-US" sz="1000" dirty="0" err="1">
+                  <a:latin typeface="Cambria" charset="0"/>
+                  <a:ea typeface="Cambria" charset="0"/>
+                  <a:cs typeface="Cambria" charset="0"/>
+                </a:rPr>
+                <a:t>Nunc</a:t>
+              </a:r>
+              <a:r>
+                <a:rPr lang="en-US" sz="1000" dirty="0">
+                  <a:latin typeface="Cambria" charset="0"/>
+                  <a:ea typeface="Cambria" charset="0"/>
+                  <a:cs typeface="Cambria" charset="0"/>
+                </a:rPr>
+                <a:t> </a:t>
+              </a:r>
+              <a:r>
+                <a:rPr lang="en-US" sz="1000" dirty="0" err="1">
+                  <a:latin typeface="Cambria" charset="0"/>
+                  <a:ea typeface="Cambria" charset="0"/>
+                  <a:cs typeface="Cambria" charset="0"/>
+                </a:rPr>
+                <a:t>nunc</a:t>
+              </a:r>
+              <a:r>
+                <a:rPr lang="en-US" sz="1000" dirty="0">
+                  <a:latin typeface="Cambria" charset="0"/>
+                  <a:ea typeface="Cambria" charset="0"/>
+                  <a:cs typeface="Cambria" charset="0"/>
+                </a:rPr>
+                <a:t> </a:t>
+              </a:r>
+              <a:r>
+                <a:rPr lang="en-US" sz="1000" dirty="0" err="1">
+                  <a:latin typeface="Cambria" charset="0"/>
+                  <a:ea typeface="Cambria" charset="0"/>
+                  <a:cs typeface="Cambria" charset="0"/>
+                </a:rPr>
+                <a:t>risus</a:t>
+              </a:r>
+              <a:r>
+                <a:rPr lang="en-US" sz="1000" dirty="0">
+                  <a:latin typeface="Cambria" charset="0"/>
+                  <a:ea typeface="Cambria" charset="0"/>
+                  <a:cs typeface="Cambria" charset="0"/>
+                </a:rPr>
+                <a:t>, </a:t>
+              </a:r>
+              <a:r>
+                <a:rPr lang="en-US" sz="1000" dirty="0" err="1">
+                  <a:latin typeface="Cambria" charset="0"/>
+                  <a:ea typeface="Cambria" charset="0"/>
+                  <a:cs typeface="Cambria" charset="0"/>
+                </a:rPr>
+                <a:t>aliquet</a:t>
+              </a:r>
+              <a:r>
+                <a:rPr lang="en-US" sz="1000" dirty="0">
+                  <a:latin typeface="Cambria" charset="0"/>
+                  <a:ea typeface="Cambria" charset="0"/>
+                  <a:cs typeface="Cambria" charset="0"/>
+                </a:rPr>
+                <a:t> </a:t>
+              </a:r>
+              <a:r>
+                <a:rPr lang="en-US" sz="1000" dirty="0" err="1">
+                  <a:latin typeface="Cambria" charset="0"/>
+                  <a:ea typeface="Cambria" charset="0"/>
+                  <a:cs typeface="Cambria" charset="0"/>
+                </a:rPr>
+                <a:t>ut</a:t>
+              </a:r>
+              <a:r>
+                <a:rPr lang="en-US" sz="1000" dirty="0">
+                  <a:latin typeface="Cambria" charset="0"/>
+                  <a:ea typeface="Cambria" charset="0"/>
+                  <a:cs typeface="Cambria" charset="0"/>
+                </a:rPr>
+                <a:t> ligula id, </a:t>
+              </a:r>
+              <a:r>
+                <a:rPr lang="en-US" sz="1000" dirty="0" err="1">
+                  <a:latin typeface="Cambria" charset="0"/>
+                  <a:ea typeface="Cambria" charset="0"/>
+                  <a:cs typeface="Cambria" charset="0"/>
+                </a:rPr>
+                <a:t>egestas</a:t>
+              </a:r>
+              <a:r>
+                <a:rPr lang="en-US" sz="1000" dirty="0">
+                  <a:latin typeface="Cambria" charset="0"/>
+                  <a:ea typeface="Cambria" charset="0"/>
+                  <a:cs typeface="Cambria" charset="0"/>
+                </a:rPr>
+                <a:t> </a:t>
+              </a:r>
+              <a:r>
+                <a:rPr lang="en-US" sz="1000" dirty="0" err="1">
+                  <a:latin typeface="Cambria" charset="0"/>
+                  <a:ea typeface="Cambria" charset="0"/>
+                  <a:cs typeface="Cambria" charset="0"/>
+                </a:rPr>
+                <a:t>aliquam</a:t>
+              </a:r>
+              <a:r>
+                <a:rPr lang="en-US" sz="1000" dirty="0">
+                  <a:latin typeface="Cambria" charset="0"/>
+                  <a:ea typeface="Cambria" charset="0"/>
+                  <a:cs typeface="Cambria" charset="0"/>
+                </a:rPr>
+                <a:t> dui. Nam </a:t>
+              </a:r>
+              <a:r>
+                <a:rPr lang="en-US" sz="1000" dirty="0" err="1">
+                  <a:latin typeface="Cambria" charset="0"/>
+                  <a:ea typeface="Cambria" charset="0"/>
+                  <a:cs typeface="Cambria" charset="0"/>
+                </a:rPr>
+                <a:t>aliquam</a:t>
+              </a:r>
+              <a:r>
+                <a:rPr lang="en-US" sz="1000" dirty="0">
+                  <a:latin typeface="Cambria" charset="0"/>
+                  <a:ea typeface="Cambria" charset="0"/>
+                  <a:cs typeface="Cambria" charset="0"/>
+                </a:rPr>
+                <a:t> </a:t>
+              </a:r>
+              <a:r>
+                <a:rPr lang="en-US" sz="1000" dirty="0" err="1">
+                  <a:latin typeface="Cambria" charset="0"/>
+                  <a:ea typeface="Cambria" charset="0"/>
+                  <a:cs typeface="Cambria" charset="0"/>
+                </a:rPr>
+                <a:t>vel</a:t>
+              </a:r>
+              <a:r>
+                <a:rPr lang="en-US" sz="1000" dirty="0">
+                  <a:latin typeface="Cambria" charset="0"/>
+                  <a:ea typeface="Cambria" charset="0"/>
+                  <a:cs typeface="Cambria" charset="0"/>
+                </a:rPr>
+                <a:t> </a:t>
+              </a:r>
+              <a:r>
+                <a:rPr lang="en-US" sz="1000" dirty="0" err="1">
+                  <a:latin typeface="Cambria" charset="0"/>
+                  <a:ea typeface="Cambria" charset="0"/>
+                  <a:cs typeface="Cambria" charset="0"/>
+                </a:rPr>
+                <a:t>justo</a:t>
+              </a:r>
+              <a:r>
+                <a:rPr lang="en-US" sz="1000" dirty="0">
+                  <a:latin typeface="Cambria" charset="0"/>
+                  <a:ea typeface="Cambria" charset="0"/>
+                  <a:cs typeface="Cambria" charset="0"/>
+                </a:rPr>
+                <a:t> id </a:t>
+              </a:r>
+              <a:r>
+                <a:rPr lang="en-US" sz="1000" dirty="0" err="1">
+                  <a:latin typeface="Cambria" charset="0"/>
+                  <a:ea typeface="Cambria" charset="0"/>
+                  <a:cs typeface="Cambria" charset="0"/>
+                </a:rPr>
+                <a:t>pulvinar</a:t>
+              </a:r>
+              <a:r>
+                <a:rPr lang="en-US" sz="1000" dirty="0">
+                  <a:latin typeface="Cambria" charset="0"/>
+                  <a:ea typeface="Cambria" charset="0"/>
+                  <a:cs typeface="Cambria" charset="0"/>
+                </a:rPr>
+                <a:t>. </a:t>
+              </a:r>
+              <a:r>
+                <a:rPr lang="en-US" sz="1000" dirty="0" err="1">
+                  <a:latin typeface="Cambria" charset="0"/>
+                  <a:ea typeface="Cambria" charset="0"/>
+                  <a:cs typeface="Cambria" charset="0"/>
+                </a:rPr>
+                <a:t>Donec</a:t>
+              </a:r>
+              <a:r>
+                <a:rPr lang="en-US" sz="1000" dirty="0">
+                  <a:latin typeface="Cambria" charset="0"/>
+                  <a:ea typeface="Cambria" charset="0"/>
+                  <a:cs typeface="Cambria" charset="0"/>
+                </a:rPr>
+                <a:t> </a:t>
+              </a:r>
+              <a:r>
+                <a:rPr lang="en-US" sz="1000" dirty="0" err="1">
+                  <a:latin typeface="Cambria" charset="0"/>
+                  <a:ea typeface="Cambria" charset="0"/>
+                  <a:cs typeface="Cambria" charset="0"/>
+                </a:rPr>
+                <a:t>nec</a:t>
+              </a:r>
+              <a:r>
+                <a:rPr lang="en-US" sz="1000" dirty="0">
+                  <a:latin typeface="Cambria" charset="0"/>
+                  <a:ea typeface="Cambria" charset="0"/>
+                  <a:cs typeface="Cambria" charset="0"/>
+                </a:rPr>
+                <a:t> </a:t>
+              </a:r>
+              <a:r>
+                <a:rPr lang="en-US" sz="1000" dirty="0" err="1">
+                  <a:latin typeface="Cambria" charset="0"/>
+                  <a:ea typeface="Cambria" charset="0"/>
+                  <a:cs typeface="Cambria" charset="0"/>
+                </a:rPr>
+                <a:t>erat</a:t>
+              </a:r>
+              <a:r>
+                <a:rPr lang="en-US" sz="1000" dirty="0">
+                  <a:latin typeface="Cambria" charset="0"/>
+                  <a:ea typeface="Cambria" charset="0"/>
+                  <a:cs typeface="Cambria" charset="0"/>
+                </a:rPr>
+                <a:t> et </a:t>
+              </a:r>
+              <a:r>
+                <a:rPr lang="en-US" sz="1000" dirty="0" err="1">
+                  <a:latin typeface="Cambria" charset="0"/>
+                  <a:ea typeface="Cambria" charset="0"/>
+                  <a:cs typeface="Cambria" charset="0"/>
+                </a:rPr>
+                <a:t>nulla</a:t>
+              </a:r>
+              <a:r>
+                <a:rPr lang="en-US" sz="1000" dirty="0">
+                  <a:latin typeface="Cambria" charset="0"/>
+                  <a:ea typeface="Cambria" charset="0"/>
+                  <a:cs typeface="Cambria" charset="0"/>
+                </a:rPr>
+                <a:t> </a:t>
+              </a:r>
+              <a:r>
+                <a:rPr lang="en-US" sz="1000" dirty="0" err="1">
+                  <a:latin typeface="Cambria" charset="0"/>
+                  <a:ea typeface="Cambria" charset="0"/>
+                  <a:cs typeface="Cambria" charset="0"/>
+                </a:rPr>
+                <a:t>scelerisque</a:t>
+              </a:r>
+              <a:r>
+                <a:rPr lang="en-US" sz="1000" dirty="0">
+                  <a:latin typeface="Cambria" charset="0"/>
+                  <a:ea typeface="Cambria" charset="0"/>
+                  <a:cs typeface="Cambria" charset="0"/>
+                </a:rPr>
+                <a:t> </a:t>
+              </a:r>
+              <a:r>
+                <a:rPr lang="en-US" sz="1000" dirty="0" err="1">
+                  <a:latin typeface="Cambria" charset="0"/>
+                  <a:ea typeface="Cambria" charset="0"/>
+                  <a:cs typeface="Cambria" charset="0"/>
+                </a:rPr>
+                <a:t>interdum</a:t>
+              </a:r>
+              <a:r>
+                <a:rPr lang="en-US" sz="1000" dirty="0">
+                  <a:latin typeface="Cambria" charset="0"/>
+                  <a:ea typeface="Cambria" charset="0"/>
+                  <a:cs typeface="Cambria" charset="0"/>
+                </a:rPr>
+                <a:t>. </a:t>
+              </a:r>
+            </a:p>
+          </p:txBody>
+        </p:sp>
+      </p:grpSp>
+      <p:sp>
+        <p:nvSpPr>
+          <p:cNvPr id="40" name="Rectangle 39"/>
+          <p:cNvSpPr/>
+          <p:nvPr/>
+        </p:nvSpPr>
+        <p:spPr>
+          <a:xfrm>
+            <a:off x="-5" y="-658963"/>
+            <a:ext cx="648933" cy="648933"/>
+          </a:xfrm>
+          <a:prstGeom prst="rect">
+            <a:avLst/>
+          </a:prstGeom>
+        </p:spPr>
+        <p:style>
+          <a:lnRef idx="2">
+            <a:schemeClr val="accent1">
+              <a:shade val="50000"/>
+            </a:schemeClr>
+          </a:lnRef>
+          <a:fillRef idx="1">
+            <a:schemeClr val="accent1"/>
+          </a:fillRef>
+          <a:effectRef idx="0">
+            <a:schemeClr val="accent1"/>
+          </a:effectRef>
+          <a:fontRef idx="minor">
+            <a:schemeClr val="lt1"/>
+          </a:fontRef>
+        </p:style>
+        <p:txBody>
+          <a:bodyPr rtlCol="0" anchor="ctr"/>
+          <a:lstStyle/>
+          <a:p>
+            <a:pPr algn="ctr"/>
+            <a:endParaRPr lang="en-US"/>
+          </a:p>
+        </p:txBody>
+      </p:sp>
+      <p:sp>
+        <p:nvSpPr>
+          <p:cNvPr id="41" name="Rectangle 40"/>
+          <p:cNvSpPr/>
+          <p:nvPr/>
+        </p:nvSpPr>
+        <p:spPr>
+          <a:xfrm>
+            <a:off x="6209062" y="-658962"/>
+            <a:ext cx="648933" cy="648933"/>
+          </a:xfrm>
+          <a:prstGeom prst="rect">
+            <a:avLst/>
+          </a:prstGeom>
+        </p:spPr>
+        <p:style>
+          <a:lnRef idx="2">
+            <a:schemeClr val="accent1">
+              <a:shade val="50000"/>
+            </a:schemeClr>
+          </a:lnRef>
+          <a:fillRef idx="1">
+            <a:schemeClr val="accent1"/>
+          </a:fillRef>
+          <a:effectRef idx="0">
+            <a:schemeClr val="accent1"/>
+          </a:effectRef>
+          <a:fontRef idx="minor">
+            <a:schemeClr val="lt1"/>
+          </a:fontRef>
+        </p:style>
+        <p:txBody>
+          <a:bodyPr rtlCol="0" anchor="ctr"/>
+          <a:lstStyle/>
+          <a:p>
+            <a:pPr algn="ctr"/>
+            <a:endParaRPr lang="en-US"/>
+          </a:p>
+        </p:txBody>
+      </p:sp>
+      <p:sp>
+        <p:nvSpPr>
+          <p:cNvPr id="19" name="Rectangle 18"/>
+          <p:cNvSpPr/>
+          <p:nvPr/>
+        </p:nvSpPr>
+        <p:spPr>
+          <a:xfrm>
+            <a:off x="0" y="417838"/>
+            <a:ext cx="6858000" cy="333744"/>
+          </a:xfrm>
+          <a:prstGeom prst="rect">
+            <a:avLst/>
+          </a:prstGeom>
+          <a:solidFill>
+            <a:srgbClr val="EFEFEF"/>
+          </a:solidFill>
+          <a:ln>
+            <a:noFill/>
+          </a:ln>
+        </p:spPr>
+        <p:style>
+          <a:lnRef idx="2">
+            <a:schemeClr val="accent1">
+              <a:shade val="50000"/>
+            </a:schemeClr>
+          </a:lnRef>
+          <a:fillRef idx="1">
+            <a:schemeClr val="accent1"/>
+          </a:fillRef>
+          <a:effectRef idx="0">
+            <a:schemeClr val="accent1"/>
+          </a:effectRef>
+          <a:fontRef idx="minor">
+            <a:schemeClr val="lt1"/>
+          </a:fontRef>
+        </p:style>
+        <p:txBody>
+          <a:bodyPr rtlCol="0" anchor="ctr"/>
+          <a:lstStyle/>
+          <a:p>
+            <a:pPr algn="ctr"/>
+            <a:endParaRPr lang="en-US"/>
+          </a:p>
+        </p:txBody>
+      </p:sp>
+      <p:sp>
+        <p:nvSpPr>
+          <p:cNvPr id="20" name="TextBox 19"/>
+          <p:cNvSpPr txBox="1"/>
+          <p:nvPr/>
+        </p:nvSpPr>
+        <p:spPr>
+          <a:xfrm>
+            <a:off x="650490" y="433563"/>
+            <a:ext cx="974957" cy="307777"/>
+          </a:xfrm>
+          <a:prstGeom prst="rect">
+            <a:avLst/>
+          </a:prstGeom>
+          <a:noFill/>
+        </p:spPr>
+        <p:txBody>
+          <a:bodyPr wrap="square" rtlCol="0">
+            <a:spAutoFit/>
+          </a:bodyPr>
+          <a:lstStyle/>
+          <a:p>
+            <a:pPr algn="ctr"/>
+            <a:r>
+              <a:rPr lang="en-US" sz="1400" b="1" dirty="0" smtClean="0">
+                <a:latin typeface="Abadi MT Condensed Extra Bold" charset="0"/>
+                <a:ea typeface="Abadi MT Condensed Extra Bold" charset="0"/>
+                <a:cs typeface="Abadi MT Condensed Extra Bold" charset="0"/>
+              </a:rPr>
+              <a:t>CritiquEat</a:t>
+            </a:r>
+            <a:endParaRPr lang="en-US" sz="1400" b="1" dirty="0">
+              <a:latin typeface="Abadi MT Condensed Extra Bold" charset="0"/>
+              <a:ea typeface="Abadi MT Condensed Extra Bold" charset="0"/>
+              <a:cs typeface="Abadi MT Condensed Extra Bold" charset="0"/>
+            </a:endParaRPr>
+          </a:p>
+        </p:txBody>
+      </p:sp>
+      <p:sp>
+        <p:nvSpPr>
+          <p:cNvPr id="98" name="Rectangle 97"/>
+          <p:cNvSpPr/>
+          <p:nvPr/>
+        </p:nvSpPr>
+        <p:spPr>
+          <a:xfrm>
+            <a:off x="0" y="10184415"/>
+            <a:ext cx="6858000" cy="696348"/>
+          </a:xfrm>
+          <a:prstGeom prst="rect">
+            <a:avLst/>
+          </a:prstGeom>
+          <a:solidFill>
+            <a:srgbClr val="EFEFEF"/>
+          </a:solidFill>
+          <a:ln>
+            <a:noFill/>
+          </a:ln>
+        </p:spPr>
+        <p:style>
+          <a:lnRef idx="2">
+            <a:schemeClr val="accent1">
+              <a:shade val="50000"/>
+            </a:schemeClr>
+          </a:lnRef>
+          <a:fillRef idx="1">
+            <a:schemeClr val="accent1"/>
+          </a:fillRef>
+          <a:effectRef idx="0">
+            <a:schemeClr val="accent1"/>
+          </a:effectRef>
+          <a:fontRef idx="minor">
+            <a:schemeClr val="lt1"/>
+          </a:fontRef>
+        </p:style>
+        <p:txBody>
+          <a:bodyPr rtlCol="0" anchor="ctr"/>
+          <a:lstStyle/>
+          <a:p>
+            <a:pPr algn="ctr"/>
+            <a:endParaRPr lang="en-US"/>
+          </a:p>
+        </p:txBody>
+      </p:sp>
+      <p:sp>
+        <p:nvSpPr>
+          <p:cNvPr id="99" name="TextBox 98"/>
+          <p:cNvSpPr txBox="1"/>
+          <p:nvPr/>
+        </p:nvSpPr>
+        <p:spPr>
+          <a:xfrm>
+            <a:off x="2829316" y="10411275"/>
+            <a:ext cx="3379753" cy="246221"/>
+          </a:xfrm>
+          <a:prstGeom prst="rect">
+            <a:avLst/>
+          </a:prstGeom>
+          <a:noFill/>
+        </p:spPr>
+        <p:txBody>
+          <a:bodyPr wrap="square" rtlCol="0">
+            <a:spAutoFit/>
+          </a:bodyPr>
+          <a:lstStyle/>
+          <a:p>
+            <a:pPr algn="r"/>
+            <a:r>
+              <a:rPr lang="de-DE" sz="1000" dirty="0" smtClean="0">
+                <a:latin typeface="Cambria" charset="0"/>
+                <a:ea typeface="Cambria" charset="0"/>
+                <a:cs typeface="Cambria" charset="0"/>
+              </a:rPr>
+              <a:t>About </a:t>
+            </a:r>
+            <a:r>
+              <a:rPr lang="de-DE" sz="1000" dirty="0">
+                <a:latin typeface="Cambria" charset="0"/>
+                <a:ea typeface="Cambria" charset="0"/>
+                <a:cs typeface="Cambria" charset="0"/>
+              </a:rPr>
+              <a:t>u</a:t>
+            </a:r>
+            <a:r>
+              <a:rPr lang="de-DE" sz="1000" dirty="0" smtClean="0">
+                <a:latin typeface="Cambria" charset="0"/>
+                <a:ea typeface="Cambria" charset="0"/>
+                <a:cs typeface="Cambria" charset="0"/>
+              </a:rPr>
+              <a:t>s  |  Contact us  |  © </a:t>
+            </a:r>
+            <a:r>
+              <a:rPr lang="en-US" sz="1000" dirty="0" smtClean="0">
+                <a:latin typeface="Cambria" charset="0"/>
+                <a:ea typeface="Cambria" charset="0"/>
+                <a:cs typeface="Cambria" charset="0"/>
+              </a:rPr>
+              <a:t>CritiquEat</a:t>
+            </a:r>
+            <a:endParaRPr lang="en-US" sz="1000" dirty="0">
+              <a:latin typeface="Cambria" charset="0"/>
+              <a:ea typeface="Cambria" charset="0"/>
+              <a:cs typeface="Cambria" charset="0"/>
+            </a:endParaRPr>
+          </a:p>
+        </p:txBody>
+      </p:sp>
+      <p:sp>
+        <p:nvSpPr>
+          <p:cNvPr id="157" name="Rectangle 156"/>
+          <p:cNvSpPr/>
+          <p:nvPr/>
+        </p:nvSpPr>
+        <p:spPr>
+          <a:xfrm>
+            <a:off x="6858005" y="9535482"/>
+            <a:ext cx="648933" cy="648933"/>
+          </a:xfrm>
+          <a:prstGeom prst="rect">
+            <a:avLst/>
+          </a:prstGeom>
+        </p:spPr>
+        <p:style>
+          <a:lnRef idx="2">
+            <a:schemeClr val="accent1">
+              <a:shade val="50000"/>
+            </a:schemeClr>
+          </a:lnRef>
+          <a:fillRef idx="1">
+            <a:schemeClr val="accent1"/>
+          </a:fillRef>
+          <a:effectRef idx="0">
+            <a:schemeClr val="accent1"/>
+          </a:effectRef>
+          <a:fontRef idx="minor">
+            <a:schemeClr val="lt1"/>
+          </a:fontRef>
+        </p:style>
+        <p:txBody>
+          <a:bodyPr rtlCol="0" anchor="ctr"/>
+          <a:lstStyle/>
+          <a:p>
+            <a:pPr algn="ctr"/>
+            <a:endParaRPr lang="en-US"/>
+          </a:p>
+        </p:txBody>
+      </p:sp>
+      <p:sp>
+        <p:nvSpPr>
+          <p:cNvPr id="122" name="TextBox 121"/>
+          <p:cNvSpPr txBox="1"/>
+          <p:nvPr/>
+        </p:nvSpPr>
+        <p:spPr>
+          <a:xfrm>
+            <a:off x="5449825" y="453385"/>
+            <a:ext cx="759238" cy="261610"/>
+          </a:xfrm>
+          <a:prstGeom prst="rect">
+            <a:avLst/>
+          </a:prstGeom>
+          <a:noFill/>
+        </p:spPr>
+        <p:txBody>
+          <a:bodyPr wrap="square" rtlCol="0">
+            <a:spAutoFit/>
+          </a:bodyPr>
+          <a:lstStyle/>
+          <a:p>
+            <a:pPr algn="r"/>
+            <a:r>
+              <a:rPr lang="en-US" sz="1100" dirty="0" smtClean="0">
+                <a:latin typeface="Cambria" charset="0"/>
+                <a:ea typeface="Cambria" charset="0"/>
+                <a:cs typeface="Cambria" charset="0"/>
+              </a:rPr>
+              <a:t>Settings</a:t>
+            </a:r>
+            <a:endParaRPr lang="en-US" sz="1100" dirty="0">
+              <a:latin typeface="Cambria" charset="0"/>
+              <a:ea typeface="Cambria" charset="0"/>
+              <a:cs typeface="Cambria" charset="0"/>
+            </a:endParaRPr>
+          </a:p>
+        </p:txBody>
+      </p:sp>
+      <p:grpSp>
+        <p:nvGrpSpPr>
+          <p:cNvPr id="123" name="Group 122"/>
+          <p:cNvGrpSpPr/>
+          <p:nvPr/>
+        </p:nvGrpSpPr>
+        <p:grpSpPr>
+          <a:xfrm>
+            <a:off x="4706536" y="496552"/>
+            <a:ext cx="188704" cy="188704"/>
+            <a:chOff x="4521922" y="285733"/>
+            <a:chExt cx="1127974" cy="1127973"/>
+          </a:xfrm>
+        </p:grpSpPr>
+        <p:sp>
+          <p:nvSpPr>
+            <p:cNvPr id="124" name="Rectangle 123"/>
+            <p:cNvSpPr/>
+            <p:nvPr/>
+          </p:nvSpPr>
+          <p:spPr>
+            <a:xfrm>
+              <a:off x="4521922" y="285733"/>
+              <a:ext cx="1127973" cy="1127973"/>
+            </a:xfrm>
+            <a:prstGeom prst="rect">
+              <a:avLst/>
+            </a:prstGeom>
+            <a:solidFill>
+              <a:schemeClr val="bg1"/>
+            </a:solidFill>
+            <a:ln>
+              <a:solidFill>
+                <a:schemeClr val="tx1"/>
+              </a:solidFill>
+            </a:ln>
+          </p:spPr>
+          <p:style>
+            <a:lnRef idx="2">
+              <a:schemeClr val="accent1">
+                <a:shade val="50000"/>
+              </a:schemeClr>
+            </a:lnRef>
+            <a:fillRef idx="1">
+              <a:schemeClr val="accent1"/>
+            </a:fillRef>
+            <a:effectRef idx="0">
+              <a:schemeClr val="accent1"/>
+            </a:effectRef>
+            <a:fontRef idx="minor">
+              <a:schemeClr val="lt1"/>
+            </a:fontRef>
+          </p:style>
+          <p:txBody>
+            <a:bodyPr rtlCol="0" anchor="ctr"/>
+            <a:lstStyle/>
+            <a:p>
+              <a:pPr algn="ctr"/>
+              <a:r>
+                <a:rPr lang="en-US" smtClean="0"/>
+                <a:t> </a:t>
+              </a:r>
+              <a:endParaRPr lang="en-US"/>
+            </a:p>
+          </p:txBody>
+        </p:sp>
+        <p:cxnSp>
+          <p:nvCxnSpPr>
+            <p:cNvPr id="125" name="Straight Connector 124"/>
+            <p:cNvCxnSpPr/>
+            <p:nvPr/>
+          </p:nvCxnSpPr>
+          <p:spPr>
+            <a:xfrm>
+              <a:off x="4521922" y="285733"/>
+              <a:ext cx="1127973" cy="1127973"/>
+            </a:xfrm>
+            <a:prstGeom prst="line">
+              <a:avLst/>
+            </a:prstGeom>
+            <a:ln w="12700">
+              <a:solidFill>
+                <a:schemeClr val="tx1"/>
+              </a:solidFill>
+            </a:ln>
+          </p:spPr>
+          <p:style>
+            <a:lnRef idx="1">
+              <a:schemeClr val="accent1"/>
+            </a:lnRef>
+            <a:fillRef idx="0">
+              <a:schemeClr val="accent1"/>
+            </a:fillRef>
+            <a:effectRef idx="0">
+              <a:schemeClr val="accent1"/>
+            </a:effectRef>
+            <a:fontRef idx="minor">
+              <a:schemeClr val="tx1"/>
+            </a:fontRef>
+          </p:style>
+        </p:cxnSp>
+        <p:cxnSp>
+          <p:nvCxnSpPr>
+            <p:cNvPr id="126" name="Straight Connector 125"/>
+            <p:cNvCxnSpPr/>
+            <p:nvPr/>
+          </p:nvCxnSpPr>
+          <p:spPr>
+            <a:xfrm flipH="1">
+              <a:off x="4521922" y="285733"/>
+              <a:ext cx="1127974" cy="1127973"/>
+            </a:xfrm>
+            <a:prstGeom prst="line">
+              <a:avLst/>
+            </a:prstGeom>
+            <a:ln w="12700">
+              <a:solidFill>
+                <a:schemeClr val="tx1"/>
+              </a:solidFill>
+            </a:ln>
+          </p:spPr>
+          <p:style>
+            <a:lnRef idx="1">
+              <a:schemeClr val="accent1"/>
+            </a:lnRef>
+            <a:fillRef idx="0">
+              <a:schemeClr val="accent1"/>
+            </a:fillRef>
+            <a:effectRef idx="0">
+              <a:schemeClr val="accent1"/>
+            </a:effectRef>
+            <a:fontRef idx="minor">
+              <a:schemeClr val="tx1"/>
+            </a:fontRef>
+          </p:style>
+        </p:cxnSp>
+      </p:grpSp>
+      <p:sp>
+        <p:nvSpPr>
+          <p:cNvPr id="127" name="TextBox 126"/>
+          <p:cNvSpPr txBox="1"/>
+          <p:nvPr/>
+        </p:nvSpPr>
+        <p:spPr>
+          <a:xfrm>
+            <a:off x="4839407" y="460099"/>
+            <a:ext cx="759238" cy="261610"/>
+          </a:xfrm>
+          <a:prstGeom prst="rect">
+            <a:avLst/>
+          </a:prstGeom>
+          <a:noFill/>
+        </p:spPr>
+        <p:txBody>
+          <a:bodyPr wrap="square" rtlCol="0">
+            <a:spAutoFit/>
+          </a:bodyPr>
+          <a:lstStyle/>
+          <a:p>
+            <a:r>
+              <a:rPr lang="en-US" sz="1100" dirty="0" smtClean="0">
+                <a:latin typeface="Cambria" charset="0"/>
+                <a:ea typeface="Cambria" charset="0"/>
+                <a:cs typeface="Cambria" charset="0"/>
+              </a:rPr>
+              <a:t>Donald</a:t>
+            </a:r>
+            <a:endParaRPr lang="en-US" sz="1100" dirty="0">
+              <a:latin typeface="Cambria" charset="0"/>
+              <a:ea typeface="Cambria" charset="0"/>
+              <a:cs typeface="Cambria" charset="0"/>
+            </a:endParaRPr>
+          </a:p>
+        </p:txBody>
+      </p:sp>
+      <p:sp>
+        <p:nvSpPr>
+          <p:cNvPr id="2" name="TextBox 1"/>
+          <p:cNvSpPr txBox="1"/>
+          <p:nvPr/>
+        </p:nvSpPr>
+        <p:spPr>
+          <a:xfrm>
+            <a:off x="648928" y="1390273"/>
+            <a:ext cx="2641600" cy="369332"/>
+          </a:xfrm>
+          <a:prstGeom prst="rect">
+            <a:avLst/>
+          </a:prstGeom>
+          <a:noFill/>
+        </p:spPr>
+        <p:txBody>
+          <a:bodyPr wrap="square" rtlCol="0">
+            <a:spAutoFit/>
+          </a:bodyPr>
+          <a:lstStyle/>
+          <a:p>
+            <a:r>
+              <a:rPr lang="en-US" b="1" dirty="0" err="1" smtClean="0">
+                <a:latin typeface="Cambria" charset="0"/>
+                <a:ea typeface="Cambria" charset="0"/>
+                <a:cs typeface="Cambria" charset="0"/>
+              </a:rPr>
+              <a:t>Sushitei</a:t>
+            </a:r>
+            <a:r>
+              <a:rPr lang="en-US" b="1" dirty="0" smtClean="0">
+                <a:latin typeface="Cambria" charset="0"/>
+                <a:ea typeface="Cambria" charset="0"/>
+                <a:cs typeface="Cambria" charset="0"/>
+              </a:rPr>
+              <a:t> @ </a:t>
+            </a:r>
+            <a:r>
+              <a:rPr lang="en-US" b="1" dirty="0" err="1" smtClean="0">
+                <a:latin typeface="Cambria" charset="0"/>
+                <a:ea typeface="Cambria" charset="0"/>
+                <a:cs typeface="Cambria" charset="0"/>
+              </a:rPr>
+              <a:t>Northpoint</a:t>
+            </a:r>
+            <a:endParaRPr lang="en-US" b="1" dirty="0">
+              <a:latin typeface="Cambria" charset="0"/>
+              <a:ea typeface="Cambria" charset="0"/>
+              <a:cs typeface="Cambria" charset="0"/>
+            </a:endParaRPr>
+          </a:p>
+        </p:txBody>
+      </p:sp>
+      <p:sp>
+        <p:nvSpPr>
+          <p:cNvPr id="128" name="TextBox 127"/>
+          <p:cNvSpPr txBox="1"/>
+          <p:nvPr/>
+        </p:nvSpPr>
+        <p:spPr>
+          <a:xfrm>
+            <a:off x="648933" y="7848497"/>
+            <a:ext cx="2641600" cy="369332"/>
+          </a:xfrm>
+          <a:prstGeom prst="rect">
+            <a:avLst/>
+          </a:prstGeom>
+          <a:noFill/>
+        </p:spPr>
+        <p:txBody>
+          <a:bodyPr wrap="square" rtlCol="0">
+            <a:spAutoFit/>
+          </a:bodyPr>
+          <a:lstStyle/>
+          <a:p>
+            <a:r>
+              <a:rPr lang="en-US" dirty="0" smtClean="0">
+                <a:latin typeface="Cambria" charset="0"/>
+                <a:ea typeface="Cambria" charset="0"/>
+                <a:cs typeface="Cambria" charset="0"/>
+              </a:rPr>
+              <a:t>Critic Profile</a:t>
+            </a:r>
+            <a:endParaRPr lang="en-US" dirty="0">
+              <a:latin typeface="Cambria" charset="0"/>
+              <a:ea typeface="Cambria" charset="0"/>
+              <a:cs typeface="Cambria" charset="0"/>
+            </a:endParaRPr>
+          </a:p>
+        </p:txBody>
+      </p:sp>
+      <p:sp>
+        <p:nvSpPr>
+          <p:cNvPr id="129" name="Rectangle 128"/>
+          <p:cNvSpPr/>
+          <p:nvPr/>
+        </p:nvSpPr>
+        <p:spPr>
+          <a:xfrm>
+            <a:off x="-648938" y="741340"/>
+            <a:ext cx="648933" cy="648933"/>
+          </a:xfrm>
+          <a:prstGeom prst="rect">
+            <a:avLst/>
+          </a:prstGeom>
+        </p:spPr>
+        <p:style>
+          <a:lnRef idx="2">
+            <a:schemeClr val="accent1">
+              <a:shade val="50000"/>
+            </a:schemeClr>
+          </a:lnRef>
+          <a:fillRef idx="1">
+            <a:schemeClr val="accent1"/>
+          </a:fillRef>
+          <a:effectRef idx="0">
+            <a:schemeClr val="accent1"/>
+          </a:effectRef>
+          <a:fontRef idx="minor">
+            <a:schemeClr val="lt1"/>
+          </a:fontRef>
+        </p:style>
+        <p:txBody>
+          <a:bodyPr rtlCol="0" anchor="ctr"/>
+          <a:lstStyle/>
+          <a:p>
+            <a:pPr algn="ctr"/>
+            <a:endParaRPr lang="en-US"/>
+          </a:p>
+        </p:txBody>
+      </p:sp>
+      <p:grpSp>
+        <p:nvGrpSpPr>
+          <p:cNvPr id="3" name="Group 2"/>
+          <p:cNvGrpSpPr/>
+          <p:nvPr/>
+        </p:nvGrpSpPr>
+        <p:grpSpPr>
+          <a:xfrm>
+            <a:off x="1600718" y="3524148"/>
+            <a:ext cx="3611992" cy="1624525"/>
+            <a:chOff x="2624941" y="1986465"/>
+            <a:chExt cx="1127974" cy="1127973"/>
+          </a:xfrm>
+        </p:grpSpPr>
+        <p:sp>
+          <p:nvSpPr>
+            <p:cNvPr id="130" name="Rectangle 129"/>
+            <p:cNvSpPr/>
+            <p:nvPr/>
+          </p:nvSpPr>
+          <p:spPr>
+            <a:xfrm>
+              <a:off x="2624941" y="1986465"/>
+              <a:ext cx="1127973" cy="1127973"/>
+            </a:xfrm>
+            <a:prstGeom prst="rect">
+              <a:avLst/>
+            </a:prstGeom>
+            <a:solidFill>
+              <a:schemeClr val="bg1"/>
+            </a:solidFill>
+            <a:ln>
+              <a:solidFill>
+                <a:schemeClr val="tx1"/>
+              </a:solidFill>
+            </a:ln>
+          </p:spPr>
+          <p:style>
+            <a:lnRef idx="2">
+              <a:schemeClr val="accent1">
+                <a:shade val="50000"/>
+              </a:schemeClr>
+            </a:lnRef>
+            <a:fillRef idx="1">
+              <a:schemeClr val="accent1"/>
+            </a:fillRef>
+            <a:effectRef idx="0">
+              <a:schemeClr val="accent1"/>
+            </a:effectRef>
+            <a:fontRef idx="minor">
+              <a:schemeClr val="lt1"/>
+            </a:fontRef>
+          </p:style>
+          <p:txBody>
+            <a:bodyPr rtlCol="0" anchor="ctr"/>
+            <a:lstStyle/>
+            <a:p>
+              <a:pPr algn="ctr"/>
+              <a:r>
+                <a:rPr lang="en-US" smtClean="0"/>
+                <a:t> </a:t>
+              </a:r>
+              <a:endParaRPr lang="en-US"/>
+            </a:p>
+          </p:txBody>
+        </p:sp>
+        <p:cxnSp>
+          <p:nvCxnSpPr>
+            <p:cNvPr id="131" name="Straight Connector 130"/>
+            <p:cNvCxnSpPr/>
+            <p:nvPr/>
+          </p:nvCxnSpPr>
+          <p:spPr>
+            <a:xfrm>
+              <a:off x="2624941" y="1986465"/>
+              <a:ext cx="1127973" cy="1127973"/>
+            </a:xfrm>
+            <a:prstGeom prst="line">
+              <a:avLst/>
+            </a:prstGeom>
+            <a:ln w="12700">
+              <a:solidFill>
+                <a:schemeClr val="tx1"/>
+              </a:solidFill>
+            </a:ln>
+          </p:spPr>
+          <p:style>
+            <a:lnRef idx="1">
+              <a:schemeClr val="accent1"/>
+            </a:lnRef>
+            <a:fillRef idx="0">
+              <a:schemeClr val="accent1"/>
+            </a:fillRef>
+            <a:effectRef idx="0">
+              <a:schemeClr val="accent1"/>
+            </a:effectRef>
+            <a:fontRef idx="minor">
+              <a:schemeClr val="tx1"/>
+            </a:fontRef>
+          </p:style>
+        </p:cxnSp>
+        <p:cxnSp>
+          <p:nvCxnSpPr>
+            <p:cNvPr id="132" name="Straight Connector 131"/>
+            <p:cNvCxnSpPr/>
+            <p:nvPr/>
+          </p:nvCxnSpPr>
+          <p:spPr>
+            <a:xfrm flipH="1">
+              <a:off x="2624941" y="1986465"/>
+              <a:ext cx="1127974" cy="1127973"/>
+            </a:xfrm>
+            <a:prstGeom prst="line">
+              <a:avLst/>
+            </a:prstGeom>
+            <a:ln w="12700">
+              <a:solidFill>
+                <a:schemeClr val="tx1"/>
+              </a:solidFill>
+            </a:ln>
+          </p:spPr>
+          <p:style>
+            <a:lnRef idx="1">
+              <a:schemeClr val="accent1"/>
+            </a:lnRef>
+            <a:fillRef idx="0">
+              <a:schemeClr val="accent1"/>
+            </a:fillRef>
+            <a:effectRef idx="0">
+              <a:schemeClr val="accent1"/>
+            </a:effectRef>
+            <a:fontRef idx="minor">
+              <a:schemeClr val="tx1"/>
+            </a:fontRef>
+          </p:style>
+        </p:cxnSp>
+      </p:grpSp>
+      <p:sp>
+        <p:nvSpPr>
+          <p:cNvPr id="4" name="TextBox 3"/>
+          <p:cNvSpPr txBox="1"/>
+          <p:nvPr/>
+        </p:nvSpPr>
+        <p:spPr>
+          <a:xfrm>
+            <a:off x="648928" y="1759605"/>
+            <a:ext cx="3046772" cy="430887"/>
+          </a:xfrm>
+          <a:prstGeom prst="rect">
+            <a:avLst/>
+          </a:prstGeom>
+          <a:noFill/>
+        </p:spPr>
+        <p:txBody>
+          <a:bodyPr wrap="square" rtlCol="0">
+            <a:spAutoFit/>
+          </a:bodyPr>
+          <a:lstStyle/>
+          <a:p>
+            <a:r>
+              <a:rPr lang="en-US" sz="1100" dirty="0"/>
+              <a:t>930 </a:t>
+            </a:r>
+            <a:r>
+              <a:rPr lang="en-US" sz="1100" dirty="0" err="1"/>
+              <a:t>Yishun</a:t>
+            </a:r>
+            <a:r>
+              <a:rPr lang="en-US" sz="1100" dirty="0"/>
+              <a:t> Ave 2 #</a:t>
+            </a:r>
+            <a:r>
+              <a:rPr lang="en-US" sz="1100" dirty="0" smtClean="0"/>
+              <a:t>02-13</a:t>
+            </a:r>
+          </a:p>
+          <a:p>
+            <a:r>
+              <a:rPr lang="en-US" sz="1100" dirty="0" err="1" smtClean="0"/>
+              <a:t>Northpoint</a:t>
+            </a:r>
+            <a:r>
+              <a:rPr lang="en-US" sz="1100" dirty="0" smtClean="0"/>
+              <a:t> </a:t>
+            </a:r>
+            <a:r>
+              <a:rPr lang="en-US" sz="1100" dirty="0"/>
+              <a:t>Shopping Centre, </a:t>
+            </a:r>
+            <a:r>
+              <a:rPr lang="en-US" sz="1100" dirty="0" smtClean="0"/>
+              <a:t>Singapore </a:t>
+            </a:r>
+            <a:r>
+              <a:rPr lang="en-US" sz="1100" dirty="0"/>
+              <a:t>769098</a:t>
+            </a:r>
+            <a:endParaRPr lang="en-US" sz="1100" dirty="0">
+              <a:latin typeface="Cambria" charset="0"/>
+              <a:ea typeface="Cambria" charset="0"/>
+              <a:cs typeface="Cambria" charset="0"/>
+            </a:endParaRPr>
+          </a:p>
+        </p:txBody>
+      </p:sp>
+      <p:sp>
+        <p:nvSpPr>
+          <p:cNvPr id="5" name="TextBox 4"/>
+          <p:cNvSpPr txBox="1"/>
+          <p:nvPr/>
+        </p:nvSpPr>
+        <p:spPr>
+          <a:xfrm>
+            <a:off x="648932" y="5497979"/>
+            <a:ext cx="5560135" cy="2123658"/>
+          </a:xfrm>
+          <a:prstGeom prst="rect">
+            <a:avLst/>
+          </a:prstGeom>
+          <a:noFill/>
+        </p:spPr>
+        <p:txBody>
+          <a:bodyPr wrap="square" rtlCol="0">
+            <a:spAutoFit/>
+          </a:bodyPr>
+          <a:lstStyle/>
+          <a:p>
+            <a:r>
+              <a:rPr lang="en-US" sz="1200" dirty="0" err="1"/>
+              <a:t>Lorem</a:t>
+            </a:r>
+            <a:r>
+              <a:rPr lang="en-US" sz="1200" dirty="0"/>
+              <a:t> </a:t>
+            </a:r>
+            <a:r>
+              <a:rPr lang="en-US" sz="1200" dirty="0" err="1"/>
+              <a:t>ipsum</a:t>
+            </a:r>
+            <a:r>
+              <a:rPr lang="en-US" sz="1200" dirty="0"/>
+              <a:t> dolor sit </a:t>
+            </a:r>
+            <a:r>
+              <a:rPr lang="en-US" sz="1200" dirty="0" err="1"/>
+              <a:t>amet</a:t>
+            </a:r>
+            <a:r>
+              <a:rPr lang="en-US" sz="1200" dirty="0"/>
+              <a:t>, duo </a:t>
+            </a:r>
+            <a:r>
+              <a:rPr lang="en-US" sz="1200" dirty="0" err="1"/>
+              <a:t>eu</a:t>
+            </a:r>
+            <a:r>
+              <a:rPr lang="en-US" sz="1200" dirty="0"/>
+              <a:t> </a:t>
+            </a:r>
+            <a:r>
+              <a:rPr lang="en-US" sz="1200" dirty="0" err="1"/>
+              <a:t>similique</a:t>
+            </a:r>
+            <a:r>
+              <a:rPr lang="en-US" sz="1200" dirty="0"/>
+              <a:t> </a:t>
+            </a:r>
+            <a:r>
+              <a:rPr lang="en-US" sz="1200" dirty="0" err="1"/>
+              <a:t>dissentiunt</a:t>
+            </a:r>
+            <a:r>
+              <a:rPr lang="en-US" sz="1200" dirty="0"/>
+              <a:t>, no duo </a:t>
+            </a:r>
+            <a:r>
+              <a:rPr lang="en-US" sz="1200" dirty="0" err="1"/>
+              <a:t>possim</a:t>
+            </a:r>
+            <a:r>
+              <a:rPr lang="en-US" sz="1200" dirty="0"/>
+              <a:t> </a:t>
+            </a:r>
+            <a:r>
+              <a:rPr lang="en-US" sz="1200" dirty="0" err="1"/>
+              <a:t>iuvaret</a:t>
+            </a:r>
+            <a:r>
+              <a:rPr lang="en-US" sz="1200" dirty="0"/>
+              <a:t>, ex </a:t>
+            </a:r>
+            <a:r>
+              <a:rPr lang="en-US" sz="1200" dirty="0" err="1"/>
+              <a:t>tamquam</a:t>
+            </a:r>
+            <a:r>
+              <a:rPr lang="en-US" sz="1200" dirty="0"/>
+              <a:t> </a:t>
+            </a:r>
+            <a:r>
+              <a:rPr lang="en-US" sz="1200" dirty="0" err="1"/>
+              <a:t>feugait</a:t>
+            </a:r>
+            <a:r>
+              <a:rPr lang="en-US" sz="1200" dirty="0"/>
+              <a:t> </a:t>
+            </a:r>
+            <a:r>
+              <a:rPr lang="en-US" sz="1200" dirty="0" err="1"/>
+              <a:t>aliquando</a:t>
+            </a:r>
+            <a:r>
+              <a:rPr lang="en-US" sz="1200" dirty="0"/>
+              <a:t> per. Duo </a:t>
+            </a:r>
+            <a:r>
+              <a:rPr lang="en-US" sz="1200" dirty="0" err="1"/>
+              <a:t>iriure</a:t>
+            </a:r>
+            <a:r>
+              <a:rPr lang="en-US" sz="1200" dirty="0"/>
+              <a:t> </a:t>
+            </a:r>
+            <a:r>
+              <a:rPr lang="en-US" sz="1200" dirty="0" err="1"/>
+              <a:t>iudicabit</a:t>
+            </a:r>
+            <a:r>
+              <a:rPr lang="en-US" sz="1200" dirty="0"/>
+              <a:t> </a:t>
+            </a:r>
+            <a:r>
+              <a:rPr lang="en-US" sz="1200" dirty="0" err="1"/>
+              <a:t>erroribus</a:t>
+            </a:r>
+            <a:r>
+              <a:rPr lang="en-US" sz="1200" dirty="0"/>
+              <a:t> </a:t>
+            </a:r>
+            <a:r>
+              <a:rPr lang="en-US" sz="1200" dirty="0" err="1"/>
+              <a:t>ei</a:t>
+            </a:r>
+            <a:r>
+              <a:rPr lang="en-US" sz="1200" dirty="0"/>
+              <a:t>, has ex </a:t>
+            </a:r>
+            <a:r>
+              <a:rPr lang="en-US" sz="1200" dirty="0" err="1"/>
+              <a:t>sonet</a:t>
+            </a:r>
+            <a:r>
+              <a:rPr lang="en-US" sz="1200" dirty="0"/>
+              <a:t> </a:t>
+            </a:r>
+            <a:r>
+              <a:rPr lang="en-US" sz="1200" dirty="0" err="1"/>
+              <a:t>corrumpit</a:t>
+            </a:r>
+            <a:r>
+              <a:rPr lang="en-US" sz="1200" dirty="0"/>
+              <a:t>. Minim </a:t>
+            </a:r>
+            <a:r>
+              <a:rPr lang="en-US" sz="1200" dirty="0" err="1"/>
+              <a:t>incorrupte</a:t>
+            </a:r>
+            <a:r>
+              <a:rPr lang="en-US" sz="1200" dirty="0"/>
+              <a:t> an sit, </a:t>
+            </a:r>
+            <a:r>
+              <a:rPr lang="en-US" sz="1200" dirty="0" err="1"/>
+              <a:t>soleat</a:t>
+            </a:r>
+            <a:r>
+              <a:rPr lang="en-US" sz="1200" dirty="0"/>
+              <a:t> </a:t>
+            </a:r>
+            <a:r>
+              <a:rPr lang="en-US" sz="1200" dirty="0" err="1"/>
+              <a:t>insolens</a:t>
+            </a:r>
+            <a:r>
+              <a:rPr lang="en-US" sz="1200" dirty="0"/>
+              <a:t> ex usu. Vis cu sale </a:t>
+            </a:r>
+            <a:r>
+              <a:rPr lang="en-US" sz="1200" dirty="0" err="1"/>
+              <a:t>libris</a:t>
+            </a:r>
+            <a:r>
+              <a:rPr lang="en-US" sz="1200" dirty="0"/>
+              <a:t> </a:t>
+            </a:r>
+            <a:r>
+              <a:rPr lang="en-US" sz="1200" dirty="0" err="1"/>
+              <a:t>nostro</a:t>
+            </a:r>
+            <a:r>
+              <a:rPr lang="en-US" sz="1200" dirty="0" smtClean="0"/>
+              <a:t>.</a:t>
+            </a:r>
+          </a:p>
+          <a:p>
+            <a:endParaRPr lang="en-US" sz="1200" dirty="0"/>
+          </a:p>
+          <a:p>
+            <a:r>
+              <a:rPr lang="en-US" sz="1200" dirty="0" err="1"/>
+              <a:t>Diceret</a:t>
+            </a:r>
+            <a:r>
+              <a:rPr lang="en-US" sz="1200" dirty="0"/>
+              <a:t> </a:t>
+            </a:r>
+            <a:r>
+              <a:rPr lang="en-US" sz="1200" dirty="0" err="1"/>
+              <a:t>dignissim</a:t>
+            </a:r>
+            <a:r>
+              <a:rPr lang="en-US" sz="1200" dirty="0"/>
+              <a:t> </a:t>
+            </a:r>
+            <a:r>
+              <a:rPr lang="en-US" sz="1200" dirty="0" err="1"/>
+              <a:t>ut</a:t>
+            </a:r>
+            <a:r>
+              <a:rPr lang="en-US" sz="1200" dirty="0"/>
+              <a:t> per. Facer </a:t>
+            </a:r>
+            <a:r>
+              <a:rPr lang="en-US" sz="1200" dirty="0" err="1"/>
+              <a:t>dictas</a:t>
+            </a:r>
+            <a:r>
+              <a:rPr lang="en-US" sz="1200" dirty="0"/>
+              <a:t> </a:t>
+            </a:r>
+            <a:r>
+              <a:rPr lang="en-US" sz="1200" dirty="0" err="1"/>
+              <a:t>probatus</a:t>
+            </a:r>
+            <a:r>
+              <a:rPr lang="en-US" sz="1200" dirty="0"/>
+              <a:t> </a:t>
+            </a:r>
+            <a:r>
+              <a:rPr lang="en-US" sz="1200" dirty="0" err="1"/>
+              <a:t>ea</a:t>
+            </a:r>
+            <a:r>
+              <a:rPr lang="en-US" sz="1200" dirty="0"/>
+              <a:t> </a:t>
+            </a:r>
+            <a:r>
+              <a:rPr lang="en-US" sz="1200" dirty="0" err="1"/>
+              <a:t>vel</a:t>
+            </a:r>
+            <a:r>
+              <a:rPr lang="en-US" sz="1200" dirty="0"/>
+              <a:t>, cum </a:t>
+            </a:r>
+            <a:r>
+              <a:rPr lang="en-US" sz="1200" dirty="0" err="1"/>
+              <a:t>ullum</a:t>
+            </a:r>
+            <a:r>
+              <a:rPr lang="en-US" sz="1200" dirty="0"/>
+              <a:t> </a:t>
+            </a:r>
+            <a:r>
+              <a:rPr lang="en-US" sz="1200" dirty="0" err="1"/>
+              <a:t>urbanitas</a:t>
+            </a:r>
+            <a:r>
+              <a:rPr lang="en-US" sz="1200" dirty="0"/>
+              <a:t> at, et </a:t>
+            </a:r>
+            <a:r>
+              <a:rPr lang="en-US" sz="1200" dirty="0" err="1"/>
+              <a:t>copiosae</a:t>
+            </a:r>
+            <a:r>
+              <a:rPr lang="en-US" sz="1200" dirty="0"/>
+              <a:t> </a:t>
+            </a:r>
+            <a:r>
+              <a:rPr lang="en-US" sz="1200" dirty="0" err="1"/>
+              <a:t>legendos</a:t>
+            </a:r>
+            <a:r>
+              <a:rPr lang="en-US" sz="1200" dirty="0"/>
+              <a:t> vis. Ad sumo </a:t>
+            </a:r>
+            <a:r>
+              <a:rPr lang="en-US" sz="1200" dirty="0" err="1"/>
+              <a:t>cetero</a:t>
+            </a:r>
+            <a:r>
+              <a:rPr lang="en-US" sz="1200" dirty="0"/>
+              <a:t> </a:t>
+            </a:r>
+            <a:r>
+              <a:rPr lang="en-US" sz="1200" dirty="0" err="1"/>
+              <a:t>constituto</a:t>
+            </a:r>
+            <a:r>
+              <a:rPr lang="en-US" sz="1200" dirty="0"/>
+              <a:t> est. </a:t>
+            </a:r>
+            <a:r>
+              <a:rPr lang="en-US" sz="1200" dirty="0" err="1"/>
+              <a:t>Movet</a:t>
+            </a:r>
+            <a:r>
+              <a:rPr lang="en-US" sz="1200" dirty="0"/>
+              <a:t> </a:t>
+            </a:r>
+            <a:r>
+              <a:rPr lang="en-US" sz="1200" dirty="0" err="1"/>
+              <a:t>delicata</a:t>
+            </a:r>
+            <a:r>
+              <a:rPr lang="en-US" sz="1200" dirty="0"/>
+              <a:t> </a:t>
+            </a:r>
+            <a:r>
+              <a:rPr lang="en-US" sz="1200" dirty="0" err="1"/>
+              <a:t>ea</a:t>
+            </a:r>
+            <a:r>
+              <a:rPr lang="en-US" sz="1200" dirty="0"/>
+              <a:t> </a:t>
+            </a:r>
+            <a:r>
+              <a:rPr lang="en-US" sz="1200" dirty="0" err="1"/>
+              <a:t>nec</a:t>
+            </a:r>
+            <a:r>
+              <a:rPr lang="en-US" sz="1200" dirty="0"/>
+              <a:t>. An </a:t>
+            </a:r>
+            <a:r>
+              <a:rPr lang="en-US" sz="1200" dirty="0" err="1"/>
+              <a:t>est</a:t>
+            </a:r>
+            <a:r>
+              <a:rPr lang="en-US" sz="1200" dirty="0"/>
+              <a:t> </a:t>
+            </a:r>
+            <a:r>
+              <a:rPr lang="en-US" sz="1200" dirty="0" err="1"/>
+              <a:t>harum</a:t>
+            </a:r>
+            <a:r>
+              <a:rPr lang="en-US" sz="1200" dirty="0"/>
+              <a:t> </a:t>
+            </a:r>
+            <a:r>
+              <a:rPr lang="en-US" sz="1200" dirty="0" err="1"/>
+              <a:t>saperet</a:t>
+            </a:r>
+            <a:r>
+              <a:rPr lang="en-US" sz="1200" dirty="0"/>
+              <a:t>, </a:t>
+            </a:r>
+            <a:r>
+              <a:rPr lang="en-US" sz="1200" dirty="0" err="1"/>
+              <a:t>denique</a:t>
+            </a:r>
+            <a:r>
+              <a:rPr lang="en-US" sz="1200" dirty="0"/>
+              <a:t> </a:t>
+            </a:r>
+            <a:r>
+              <a:rPr lang="en-US" sz="1200" dirty="0" err="1"/>
+              <a:t>facilisis</a:t>
+            </a:r>
+            <a:r>
+              <a:rPr lang="en-US" sz="1200" dirty="0"/>
+              <a:t> per </a:t>
+            </a:r>
+            <a:r>
+              <a:rPr lang="en-US" sz="1200" dirty="0" err="1"/>
+              <a:t>ut</a:t>
+            </a:r>
+            <a:r>
+              <a:rPr lang="en-US" sz="1200" dirty="0" err="1" smtClean="0"/>
+              <a:t>.</a:t>
+            </a:r>
+            <a:endParaRPr lang="en-US" sz="1200" dirty="0"/>
+          </a:p>
+          <a:p>
+            <a:endParaRPr lang="en-US" sz="1200" dirty="0" smtClean="0"/>
+          </a:p>
+          <a:p>
+            <a:r>
+              <a:rPr lang="en-US" sz="1200" dirty="0"/>
+              <a:t>Mel </a:t>
+            </a:r>
+            <a:r>
+              <a:rPr lang="en-US" sz="1200" dirty="0" err="1"/>
+              <a:t>te</a:t>
+            </a:r>
+            <a:r>
+              <a:rPr lang="en-US" sz="1200" dirty="0"/>
+              <a:t> dolor </a:t>
+            </a:r>
+            <a:r>
+              <a:rPr lang="en-US" sz="1200" dirty="0" err="1"/>
+              <a:t>nusquam</a:t>
+            </a:r>
+            <a:r>
+              <a:rPr lang="en-US" sz="1200" dirty="0"/>
+              <a:t>, impetus </a:t>
+            </a:r>
+            <a:r>
+              <a:rPr lang="en-US" sz="1200" dirty="0" err="1"/>
+              <a:t>temporibus</a:t>
+            </a:r>
+            <a:r>
+              <a:rPr lang="en-US" sz="1200" dirty="0"/>
+              <a:t> et vel. Cu </a:t>
+            </a:r>
+            <a:r>
+              <a:rPr lang="en-US" sz="1200" dirty="0" err="1"/>
+              <a:t>pri</a:t>
+            </a:r>
+            <a:r>
+              <a:rPr lang="en-US" sz="1200" dirty="0"/>
+              <a:t> </a:t>
+            </a:r>
+            <a:r>
+              <a:rPr lang="en-US" sz="1200" dirty="0" err="1"/>
+              <a:t>nobis</a:t>
+            </a:r>
+            <a:r>
+              <a:rPr lang="en-US" sz="1200" dirty="0"/>
+              <a:t> </a:t>
+            </a:r>
+            <a:r>
+              <a:rPr lang="en-US" sz="1200" dirty="0" err="1"/>
+              <a:t>laudem</a:t>
+            </a:r>
+            <a:r>
+              <a:rPr lang="en-US" sz="1200" dirty="0"/>
+              <a:t>, </a:t>
+            </a:r>
+            <a:r>
+              <a:rPr lang="en-US" sz="1200" dirty="0" err="1"/>
+              <a:t>noluisse</a:t>
+            </a:r>
+            <a:r>
+              <a:rPr lang="en-US" sz="1200" dirty="0"/>
+              <a:t> </a:t>
+            </a:r>
+            <a:r>
+              <a:rPr lang="en-US" sz="1200" dirty="0" err="1"/>
+              <a:t>gloriatur</a:t>
+            </a:r>
+            <a:r>
+              <a:rPr lang="en-US" sz="1200" dirty="0"/>
+              <a:t> at </a:t>
+            </a:r>
+            <a:r>
+              <a:rPr lang="en-US" sz="1200" dirty="0" err="1"/>
+              <a:t>eum</a:t>
+            </a:r>
+            <a:r>
+              <a:rPr lang="en-US" sz="1200" dirty="0"/>
+              <a:t>, </a:t>
+            </a:r>
+            <a:r>
+              <a:rPr lang="en-US" sz="1200" dirty="0" err="1"/>
+              <a:t>dolore</a:t>
+            </a:r>
+            <a:r>
+              <a:rPr lang="en-US" sz="1200" dirty="0"/>
+              <a:t> </a:t>
+            </a:r>
+            <a:r>
+              <a:rPr lang="en-US" sz="1200" dirty="0" err="1"/>
+              <a:t>tibique</a:t>
+            </a:r>
+            <a:r>
+              <a:rPr lang="en-US" sz="1200" dirty="0"/>
+              <a:t> </a:t>
+            </a:r>
+            <a:r>
+              <a:rPr lang="en-US" sz="1200" dirty="0" err="1"/>
+              <a:t>sensibus</a:t>
+            </a:r>
+            <a:r>
+              <a:rPr lang="en-US" sz="1200" dirty="0"/>
+              <a:t> </a:t>
+            </a:r>
+            <a:r>
+              <a:rPr lang="en-US" sz="1200" dirty="0" err="1"/>
+              <a:t>est</a:t>
+            </a:r>
+            <a:r>
+              <a:rPr lang="en-US" sz="1200" dirty="0"/>
+              <a:t> ne. Vim ad </a:t>
+            </a:r>
+            <a:r>
+              <a:rPr lang="en-US" sz="1200" dirty="0" err="1"/>
+              <a:t>etiam</a:t>
+            </a:r>
+            <a:r>
+              <a:rPr lang="en-US" sz="1200" dirty="0"/>
+              <a:t> </a:t>
+            </a:r>
+            <a:r>
+              <a:rPr lang="en-US" sz="1200" dirty="0" err="1"/>
+              <a:t>consequat</a:t>
+            </a:r>
+            <a:r>
+              <a:rPr lang="en-US" sz="1200" dirty="0"/>
+              <a:t>, cu </a:t>
+            </a:r>
+            <a:r>
+              <a:rPr lang="en-US" sz="1200" dirty="0" err="1"/>
+              <a:t>sed</a:t>
+            </a:r>
+            <a:r>
+              <a:rPr lang="en-US" sz="1200" dirty="0"/>
+              <a:t> </a:t>
+            </a:r>
+            <a:r>
+              <a:rPr lang="en-US" sz="1200" dirty="0" err="1"/>
+              <a:t>mutat</a:t>
+            </a:r>
+            <a:r>
+              <a:rPr lang="en-US" sz="1200" dirty="0"/>
+              <a:t> </a:t>
+            </a:r>
+            <a:r>
+              <a:rPr lang="en-US" sz="1200" dirty="0" err="1"/>
+              <a:t>malis</a:t>
+            </a:r>
+            <a:r>
+              <a:rPr lang="en-US" sz="1200" dirty="0"/>
+              <a:t>, duo </a:t>
+            </a:r>
+            <a:r>
+              <a:rPr lang="en-US" sz="1200" dirty="0" err="1"/>
+              <a:t>paulo</a:t>
+            </a:r>
+            <a:r>
+              <a:rPr lang="en-US" sz="1200" dirty="0"/>
+              <a:t> </a:t>
+            </a:r>
+            <a:r>
+              <a:rPr lang="en-US" sz="1200" dirty="0" err="1"/>
+              <a:t>honestatis</a:t>
+            </a:r>
+            <a:r>
+              <a:rPr lang="en-US" sz="1200" dirty="0"/>
+              <a:t> ea. </a:t>
+            </a:r>
+            <a:r>
+              <a:rPr lang="en-US" sz="1200" dirty="0" err="1"/>
+              <a:t>Praesent</a:t>
+            </a:r>
+            <a:r>
+              <a:rPr lang="en-US" sz="1200" dirty="0"/>
+              <a:t> </a:t>
+            </a:r>
+            <a:r>
+              <a:rPr lang="en-US" sz="1200" dirty="0" err="1"/>
+              <a:t>tincidunt</a:t>
+            </a:r>
+            <a:r>
+              <a:rPr lang="en-US" sz="1200" dirty="0"/>
+              <a:t> ad quo. Quo </a:t>
+            </a:r>
+            <a:r>
+              <a:rPr lang="en-US" sz="1200" dirty="0" err="1"/>
+              <a:t>malorum</a:t>
+            </a:r>
+            <a:r>
+              <a:rPr lang="en-US" sz="1200" dirty="0"/>
+              <a:t> </a:t>
+            </a:r>
+            <a:r>
+              <a:rPr lang="en-US" sz="1200" dirty="0" err="1"/>
+              <a:t>torquatos</a:t>
+            </a:r>
+            <a:r>
+              <a:rPr lang="en-US" sz="1200" dirty="0"/>
+              <a:t> ex.</a:t>
+            </a:r>
+          </a:p>
+        </p:txBody>
+      </p:sp>
+      <p:sp>
+        <p:nvSpPr>
+          <p:cNvPr id="9" name="Rectangle 8"/>
+          <p:cNvSpPr/>
+          <p:nvPr/>
+        </p:nvSpPr>
+        <p:spPr>
+          <a:xfrm>
+            <a:off x="648928" y="2367077"/>
+            <a:ext cx="5560134" cy="666997"/>
+          </a:xfrm>
+          <a:prstGeom prst="rect">
+            <a:avLst/>
+          </a:prstGeom>
+          <a:solidFill>
+            <a:srgbClr val="EFEFEF">
+              <a:alpha val="30000"/>
+            </a:srgbClr>
+          </a:solidFill>
+          <a:ln>
+            <a:solidFill>
+              <a:schemeClr val="bg1"/>
+            </a:solidFill>
+          </a:ln>
+        </p:spPr>
+        <p:style>
+          <a:lnRef idx="2">
+            <a:schemeClr val="accent1">
+              <a:shade val="50000"/>
+            </a:schemeClr>
+          </a:lnRef>
+          <a:fillRef idx="1">
+            <a:schemeClr val="accent1"/>
+          </a:fillRef>
+          <a:effectRef idx="0">
+            <a:schemeClr val="accent1"/>
+          </a:effectRef>
+          <a:fontRef idx="minor">
+            <a:schemeClr val="lt1"/>
+          </a:fontRef>
+        </p:style>
+        <p:txBody>
+          <a:bodyPr rtlCol="0" anchor="ctr"/>
+          <a:lstStyle/>
+          <a:p>
+            <a:pPr algn="ctr"/>
+            <a:endParaRPr lang="en-US"/>
+          </a:p>
+        </p:txBody>
+      </p:sp>
+      <p:pic>
+        <p:nvPicPr>
+          <p:cNvPr id="11" name="Picture 10"/>
+          <p:cNvPicPr>
+            <a:picLocks noChangeAspect="1"/>
+          </p:cNvPicPr>
+          <p:nvPr/>
+        </p:nvPicPr>
+        <p:blipFill>
+          <a:blip r:embed="rId3">
+            <a:extLst>
+              <a:ext uri="{28A0092B-C50C-407E-A947-70E740481C1C}">
+                <a14:useLocalDpi xmlns:a14="http://schemas.microsoft.com/office/drawing/2010/main" val="0"/>
+              </a:ext>
+            </a:extLst>
+          </a:blip>
+          <a:stretch>
+            <a:fillRect/>
+          </a:stretch>
+        </p:blipFill>
+        <p:spPr>
+          <a:xfrm>
+            <a:off x="3110795" y="2679973"/>
+            <a:ext cx="201073" cy="201073"/>
+          </a:xfrm>
+          <a:prstGeom prst="rect">
+            <a:avLst/>
+          </a:prstGeom>
+        </p:spPr>
+      </p:pic>
+      <p:sp>
+        <p:nvSpPr>
+          <p:cNvPr id="13" name="TextBox 12"/>
+          <p:cNvSpPr txBox="1"/>
+          <p:nvPr/>
+        </p:nvSpPr>
+        <p:spPr>
+          <a:xfrm>
+            <a:off x="2971619" y="2434856"/>
+            <a:ext cx="839972" cy="276999"/>
+          </a:xfrm>
+          <a:prstGeom prst="rect">
+            <a:avLst/>
+          </a:prstGeom>
+          <a:noFill/>
+        </p:spPr>
+        <p:txBody>
+          <a:bodyPr wrap="square" rtlCol="0">
+            <a:spAutoFit/>
+          </a:bodyPr>
+          <a:lstStyle/>
+          <a:p>
+            <a:pPr algn="ctr"/>
+            <a:r>
+              <a:rPr lang="en-US" sz="1200" b="1" dirty="0" smtClean="0">
+                <a:latin typeface="Cambria" charset="0"/>
+                <a:ea typeface="Cambria" charset="0"/>
+                <a:cs typeface="Cambria" charset="0"/>
+              </a:rPr>
+              <a:t>Price</a:t>
+            </a:r>
+            <a:endParaRPr lang="en-US" sz="1200" b="1" dirty="0">
+              <a:latin typeface="Cambria" charset="0"/>
+              <a:ea typeface="Cambria" charset="0"/>
+              <a:cs typeface="Cambria" charset="0"/>
+            </a:endParaRPr>
+          </a:p>
+        </p:txBody>
+      </p:sp>
+      <p:sp>
+        <p:nvSpPr>
+          <p:cNvPr id="135" name="TextBox 134"/>
+          <p:cNvSpPr txBox="1"/>
+          <p:nvPr/>
+        </p:nvSpPr>
+        <p:spPr>
+          <a:xfrm>
+            <a:off x="1334920" y="2434855"/>
+            <a:ext cx="839972" cy="276999"/>
+          </a:xfrm>
+          <a:prstGeom prst="rect">
+            <a:avLst/>
+          </a:prstGeom>
+          <a:noFill/>
+        </p:spPr>
+        <p:txBody>
+          <a:bodyPr wrap="square" rtlCol="0">
+            <a:spAutoFit/>
+          </a:bodyPr>
+          <a:lstStyle/>
+          <a:p>
+            <a:pPr algn="ctr"/>
+            <a:r>
+              <a:rPr lang="en-US" sz="1200" b="1" dirty="0" smtClean="0">
+                <a:latin typeface="Cambria" charset="0"/>
+                <a:ea typeface="Cambria" charset="0"/>
+                <a:cs typeface="Cambria" charset="0"/>
+              </a:rPr>
+              <a:t>Taste</a:t>
+            </a:r>
+            <a:endParaRPr lang="en-US" sz="1200" b="1" dirty="0">
+              <a:latin typeface="Cambria" charset="0"/>
+              <a:ea typeface="Cambria" charset="0"/>
+              <a:cs typeface="Cambria" charset="0"/>
+            </a:endParaRPr>
+          </a:p>
+        </p:txBody>
+      </p:sp>
+      <p:sp>
+        <p:nvSpPr>
+          <p:cNvPr id="136" name="TextBox 135"/>
+          <p:cNvSpPr txBox="1"/>
+          <p:nvPr/>
+        </p:nvSpPr>
+        <p:spPr>
+          <a:xfrm>
+            <a:off x="4475253" y="2437500"/>
+            <a:ext cx="839972" cy="276999"/>
+          </a:xfrm>
+          <a:prstGeom prst="rect">
+            <a:avLst/>
+          </a:prstGeom>
+          <a:noFill/>
+        </p:spPr>
+        <p:txBody>
+          <a:bodyPr wrap="square" rtlCol="0">
+            <a:spAutoFit/>
+          </a:bodyPr>
+          <a:lstStyle/>
+          <a:p>
+            <a:pPr algn="ctr"/>
+            <a:r>
+              <a:rPr lang="en-US" sz="1200" b="1" dirty="0" smtClean="0">
+                <a:latin typeface="Cambria" charset="0"/>
+                <a:ea typeface="Cambria" charset="0"/>
+                <a:cs typeface="Cambria" charset="0"/>
+              </a:rPr>
+              <a:t>Location</a:t>
+            </a:r>
+            <a:endParaRPr lang="en-US" sz="1200" b="1" dirty="0">
+              <a:latin typeface="Cambria" charset="0"/>
+              <a:ea typeface="Cambria" charset="0"/>
+              <a:cs typeface="Cambria" charset="0"/>
+            </a:endParaRPr>
+          </a:p>
+        </p:txBody>
+      </p:sp>
+      <p:pic>
+        <p:nvPicPr>
+          <p:cNvPr id="137" name="Picture 136"/>
+          <p:cNvPicPr>
+            <a:picLocks noChangeAspect="1"/>
+          </p:cNvPicPr>
+          <p:nvPr/>
+        </p:nvPicPr>
+        <p:blipFill>
+          <a:blip r:embed="rId3">
+            <a:extLst>
+              <a:ext uri="{28A0092B-C50C-407E-A947-70E740481C1C}">
+                <a14:useLocalDpi xmlns:a14="http://schemas.microsoft.com/office/drawing/2010/main" val="0"/>
+              </a:ext>
+            </a:extLst>
+          </a:blip>
+          <a:stretch>
+            <a:fillRect/>
+          </a:stretch>
+        </p:blipFill>
+        <p:spPr>
+          <a:xfrm>
+            <a:off x="3290528" y="2679974"/>
+            <a:ext cx="201073" cy="201073"/>
+          </a:xfrm>
+          <a:prstGeom prst="rect">
+            <a:avLst/>
+          </a:prstGeom>
+        </p:spPr>
+      </p:pic>
+      <p:pic>
+        <p:nvPicPr>
+          <p:cNvPr id="138" name="Picture 137"/>
+          <p:cNvPicPr>
+            <a:picLocks noChangeAspect="1"/>
+          </p:cNvPicPr>
+          <p:nvPr/>
+        </p:nvPicPr>
+        <p:blipFill>
+          <a:blip r:embed="rId3">
+            <a:extLst>
+              <a:ext uri="{28A0092B-C50C-407E-A947-70E740481C1C}">
+                <a14:useLocalDpi xmlns:a14="http://schemas.microsoft.com/office/drawing/2010/main" val="0"/>
+              </a:ext>
+            </a:extLst>
+          </a:blip>
+          <a:stretch>
+            <a:fillRect/>
+          </a:stretch>
+        </p:blipFill>
+        <p:spPr>
+          <a:xfrm>
+            <a:off x="3459695" y="2679974"/>
+            <a:ext cx="201073" cy="201073"/>
+          </a:xfrm>
+          <a:prstGeom prst="rect">
+            <a:avLst/>
+          </a:prstGeom>
+        </p:spPr>
+      </p:pic>
+      <p:pic>
+        <p:nvPicPr>
+          <p:cNvPr id="14" name="Picture 13"/>
+          <p:cNvPicPr>
+            <a:picLocks noChangeAspect="1"/>
+          </p:cNvPicPr>
+          <p:nvPr/>
+        </p:nvPicPr>
+        <p:blipFill>
+          <a:blip r:embed="rId4">
+            <a:extLst>
+              <a:ext uri="{28A0092B-C50C-407E-A947-70E740481C1C}">
+                <a14:useLocalDpi xmlns:a14="http://schemas.microsoft.com/office/drawing/2010/main" val="0"/>
+              </a:ext>
+            </a:extLst>
+          </a:blip>
+          <a:stretch>
+            <a:fillRect/>
+          </a:stretch>
+        </p:blipFill>
+        <p:spPr>
+          <a:xfrm>
+            <a:off x="1441544" y="2687011"/>
+            <a:ext cx="194732" cy="194732"/>
+          </a:xfrm>
+          <a:prstGeom prst="rect">
+            <a:avLst/>
+          </a:prstGeom>
+        </p:spPr>
+      </p:pic>
+      <p:pic>
+        <p:nvPicPr>
+          <p:cNvPr id="139" name="Picture 138"/>
+          <p:cNvPicPr>
+            <a:picLocks noChangeAspect="1"/>
+          </p:cNvPicPr>
+          <p:nvPr/>
+        </p:nvPicPr>
+        <p:blipFill>
+          <a:blip r:embed="rId4">
+            <a:extLst>
+              <a:ext uri="{28A0092B-C50C-407E-A947-70E740481C1C}">
+                <a14:useLocalDpi xmlns:a14="http://schemas.microsoft.com/office/drawing/2010/main" val="0"/>
+              </a:ext>
+            </a:extLst>
+          </a:blip>
+          <a:stretch>
+            <a:fillRect/>
+          </a:stretch>
+        </p:blipFill>
+        <p:spPr>
+          <a:xfrm>
+            <a:off x="1657540" y="2685101"/>
+            <a:ext cx="194732" cy="194732"/>
+          </a:xfrm>
+          <a:prstGeom prst="rect">
+            <a:avLst/>
+          </a:prstGeom>
+        </p:spPr>
+      </p:pic>
+      <p:pic>
+        <p:nvPicPr>
+          <p:cNvPr id="140" name="Picture 139"/>
+          <p:cNvPicPr>
+            <a:picLocks noChangeAspect="1"/>
+          </p:cNvPicPr>
+          <p:nvPr/>
+        </p:nvPicPr>
+        <p:blipFill>
+          <a:blip r:embed="rId4">
+            <a:extLst>
+              <a:ext uri="{28A0092B-C50C-407E-A947-70E740481C1C}">
+                <a14:useLocalDpi xmlns:a14="http://schemas.microsoft.com/office/drawing/2010/main" val="0"/>
+              </a:ext>
+            </a:extLst>
+          </a:blip>
+          <a:stretch>
+            <a:fillRect/>
+          </a:stretch>
+        </p:blipFill>
+        <p:spPr>
+          <a:xfrm>
+            <a:off x="1871188" y="2683840"/>
+            <a:ext cx="194732" cy="194732"/>
+          </a:xfrm>
+          <a:prstGeom prst="rect">
+            <a:avLst/>
+          </a:prstGeom>
+        </p:spPr>
+      </p:pic>
+      <p:pic>
+        <p:nvPicPr>
+          <p:cNvPr id="15" name="Picture 14"/>
+          <p:cNvPicPr>
+            <a:picLocks noChangeAspect="1"/>
+          </p:cNvPicPr>
+          <p:nvPr/>
+        </p:nvPicPr>
+        <p:blipFill>
+          <a:blip r:embed="rId5">
+            <a:extLst>
+              <a:ext uri="{28A0092B-C50C-407E-A947-70E740481C1C}">
+                <a14:useLocalDpi xmlns:a14="http://schemas.microsoft.com/office/drawing/2010/main" val="0"/>
+              </a:ext>
+            </a:extLst>
+          </a:blip>
+          <a:stretch>
+            <a:fillRect/>
+          </a:stretch>
+        </p:blipFill>
+        <p:spPr>
+          <a:xfrm>
+            <a:off x="4584005" y="2686955"/>
+            <a:ext cx="191617" cy="191617"/>
+          </a:xfrm>
+          <a:prstGeom prst="rect">
+            <a:avLst/>
+          </a:prstGeom>
+        </p:spPr>
+      </p:pic>
+      <p:pic>
+        <p:nvPicPr>
+          <p:cNvPr id="141" name="Picture 140"/>
+          <p:cNvPicPr>
+            <a:picLocks noChangeAspect="1"/>
+          </p:cNvPicPr>
+          <p:nvPr/>
+        </p:nvPicPr>
+        <p:blipFill>
+          <a:blip r:embed="rId5">
+            <a:extLst>
+              <a:ext uri="{28A0092B-C50C-407E-A947-70E740481C1C}">
+                <a14:useLocalDpi xmlns:a14="http://schemas.microsoft.com/office/drawing/2010/main" val="0"/>
+              </a:ext>
+            </a:extLst>
+          </a:blip>
+          <a:stretch>
+            <a:fillRect/>
+          </a:stretch>
+        </p:blipFill>
+        <p:spPr>
+          <a:xfrm>
+            <a:off x="4799431" y="2686955"/>
+            <a:ext cx="191617" cy="191617"/>
+          </a:xfrm>
+          <a:prstGeom prst="rect">
+            <a:avLst/>
+          </a:prstGeom>
+        </p:spPr>
+      </p:pic>
+      <p:pic>
+        <p:nvPicPr>
+          <p:cNvPr id="142" name="Picture 141"/>
+          <p:cNvPicPr>
+            <a:picLocks noChangeAspect="1"/>
+          </p:cNvPicPr>
+          <p:nvPr/>
+        </p:nvPicPr>
+        <p:blipFill>
+          <a:blip r:embed="rId5">
+            <a:extLst>
+              <a:ext uri="{28A0092B-C50C-407E-A947-70E740481C1C}">
+                <a14:useLocalDpi xmlns:a14="http://schemas.microsoft.com/office/drawing/2010/main" val="0"/>
+              </a:ext>
+            </a:extLst>
+          </a:blip>
+          <a:stretch>
+            <a:fillRect/>
+          </a:stretch>
+        </p:blipFill>
+        <p:spPr>
+          <a:xfrm>
+            <a:off x="5007165" y="2686955"/>
+            <a:ext cx="191617" cy="191617"/>
+          </a:xfrm>
+          <a:prstGeom prst="rect">
+            <a:avLst/>
+          </a:prstGeom>
+        </p:spPr>
+      </p:pic>
+      <p:sp>
+        <p:nvSpPr>
+          <p:cNvPr id="17" name="Rectangle 16"/>
+          <p:cNvSpPr/>
+          <p:nvPr/>
+        </p:nvSpPr>
+        <p:spPr>
+          <a:xfrm>
+            <a:off x="4706537" y="947864"/>
+            <a:ext cx="1502525" cy="320134"/>
+          </a:xfrm>
+          <a:prstGeom prst="rect">
+            <a:avLst/>
+          </a:prstGeom>
+          <a:solidFill>
+            <a:srgbClr val="EFEFEF"/>
+          </a:solidFill>
+          <a:ln>
+            <a:solidFill>
+              <a:schemeClr val="bg1"/>
+            </a:solidFill>
+          </a:ln>
+        </p:spPr>
+        <p:style>
+          <a:lnRef idx="2">
+            <a:schemeClr val="accent1">
+              <a:shade val="50000"/>
+            </a:schemeClr>
+          </a:lnRef>
+          <a:fillRef idx="1">
+            <a:schemeClr val="accent1"/>
+          </a:fillRef>
+          <a:effectRef idx="0">
+            <a:schemeClr val="accent1"/>
+          </a:effectRef>
+          <a:fontRef idx="minor">
+            <a:schemeClr val="lt1"/>
+          </a:fontRef>
+        </p:style>
+        <p:txBody>
+          <a:bodyPr rtlCol="0" anchor="ctr"/>
+          <a:lstStyle/>
+          <a:p>
+            <a:pPr algn="ctr"/>
+            <a:r>
+              <a:rPr lang="en-US" sz="1000" dirty="0" smtClean="0">
+                <a:solidFill>
+                  <a:sysClr val="windowText" lastClr="000000"/>
+                </a:solidFill>
+                <a:latin typeface="Cambria" charset="0"/>
+                <a:ea typeface="Cambria" charset="0"/>
+                <a:cs typeface="Cambria" charset="0"/>
+              </a:rPr>
+              <a:t>Edit </a:t>
+            </a:r>
+            <a:r>
+              <a:rPr lang="en-US" sz="1000" dirty="0" err="1" smtClean="0">
+                <a:solidFill>
+                  <a:sysClr val="windowText" lastClr="000000"/>
+                </a:solidFill>
+                <a:latin typeface="Cambria" charset="0"/>
+                <a:ea typeface="Cambria" charset="0"/>
+                <a:cs typeface="Cambria" charset="0"/>
+              </a:rPr>
+              <a:t>CritiquEat</a:t>
+            </a:r>
+            <a:endParaRPr lang="en-US" sz="1000" dirty="0">
+              <a:solidFill>
+                <a:sysClr val="windowText" lastClr="000000"/>
+              </a:solidFill>
+              <a:latin typeface="Cambria" charset="0"/>
+              <a:ea typeface="Cambria" charset="0"/>
+              <a:cs typeface="Cambria" charset="0"/>
+            </a:endParaRPr>
+          </a:p>
+        </p:txBody>
+      </p:sp>
+    </p:spTree>
+    <p:extLst>
+      <p:ext uri="{BB962C8B-B14F-4D97-AF65-F5344CB8AC3E}">
+        <p14:creationId xmlns:p14="http://schemas.microsoft.com/office/powerpoint/2010/main" val="325422459"/>
+      </p:ext>
+    </p:extLst>
+  </p:cSld>
+  <p:clrMapOvr>
+    <a:masterClrMapping/>
+  </p:clrMapOvr>
+  <p:timing>
+    <p:tnLst>
+      <p:par>
+        <p:cTn id="1" dur="indefinite" restart="never" nodeType="tmRoot"/>
+      </p:par>
+    </p:tnLst>
+  </p:timing>
+</p:sld>
+</file>
+
+<file path=ppt/slides/slide15.xml><?xml version="1.0" encoding="utf-8"?>
 <p:sld xmlns:a="http://schemas.openxmlformats.org/drawingml/2006/main" xmlns:r="http://schemas.openxmlformats.org/officeDocument/2006/relationships" xmlns:p="http://schemas.openxmlformats.org/presentationml/2006/main">
   <p:cSld>
     <p:spTree>
@@ -27116,6 +29850,2403 @@
       </p:grpSpPr>
       <p:sp>
         <p:nvSpPr>
+          <p:cNvPr id="7" name="Rectangle 6"/>
+          <p:cNvSpPr/>
+          <p:nvPr/>
+        </p:nvSpPr>
+        <p:spPr>
+          <a:xfrm>
+            <a:off x="-2" y="-1"/>
+            <a:ext cx="6858002" cy="10880764"/>
+          </a:xfrm>
+          <a:prstGeom prst="rect">
+            <a:avLst/>
+          </a:prstGeom>
+          <a:solidFill>
+            <a:schemeClr val="tx2">
+              <a:lumMod val="20000"/>
+              <a:lumOff val="80000"/>
+            </a:schemeClr>
+          </a:solidFill>
+          <a:ln>
+            <a:noFill/>
+          </a:ln>
+        </p:spPr>
+        <p:style>
+          <a:lnRef idx="2">
+            <a:schemeClr val="accent1">
+              <a:shade val="50000"/>
+            </a:schemeClr>
+          </a:lnRef>
+          <a:fillRef idx="1">
+            <a:schemeClr val="accent1"/>
+          </a:fillRef>
+          <a:effectRef idx="0">
+            <a:schemeClr val="accent1"/>
+          </a:effectRef>
+          <a:fontRef idx="minor">
+            <a:schemeClr val="lt1"/>
+          </a:fontRef>
+        </p:style>
+        <p:txBody>
+          <a:bodyPr rtlCol="0" anchor="ctr"/>
+          <a:lstStyle/>
+          <a:p>
+            <a:pPr algn="ctr"/>
+            <a:endParaRPr lang="en-US" dirty="0"/>
+          </a:p>
+        </p:txBody>
+      </p:sp>
+      <p:pic>
+        <p:nvPicPr>
+          <p:cNvPr id="6" name="Picture 5"/>
+          <p:cNvPicPr>
+            <a:picLocks noChangeAspect="1"/>
+          </p:cNvPicPr>
+          <p:nvPr/>
+        </p:nvPicPr>
+        <p:blipFill rotWithShape="1">
+          <a:blip r:embed="rId2">
+            <a:extLst>
+              <a:ext uri="{28A0092B-C50C-407E-A947-70E740481C1C}">
+                <a14:useLocalDpi xmlns:a14="http://schemas.microsoft.com/office/drawing/2010/main" val="0"/>
+              </a:ext>
+            </a:extLst>
+          </a:blip>
+          <a:srcRect b="90676"/>
+          <a:stretch/>
+        </p:blipFill>
+        <p:spPr>
+          <a:xfrm>
+            <a:off x="0" y="0"/>
+            <a:ext cx="6858000" cy="417838"/>
+          </a:xfrm>
+          <a:prstGeom prst="rect">
+            <a:avLst/>
+          </a:prstGeom>
+        </p:spPr>
+      </p:pic>
+      <p:grpSp>
+        <p:nvGrpSpPr>
+          <p:cNvPr id="23" name="Group 22"/>
+          <p:cNvGrpSpPr/>
+          <p:nvPr/>
+        </p:nvGrpSpPr>
+        <p:grpSpPr>
+          <a:xfrm>
+            <a:off x="648933" y="8394414"/>
+            <a:ext cx="4281535" cy="1154162"/>
+            <a:chOff x="1108320" y="1327209"/>
+            <a:chExt cx="4281535" cy="1154162"/>
+          </a:xfrm>
+        </p:grpSpPr>
+        <p:grpSp>
+          <p:nvGrpSpPr>
+            <p:cNvPr id="18" name="Group 17"/>
+            <p:cNvGrpSpPr/>
+            <p:nvPr/>
+          </p:nvGrpSpPr>
+          <p:grpSpPr>
+            <a:xfrm>
+              <a:off x="1108320" y="1340304"/>
+              <a:ext cx="1127974" cy="1127973"/>
+              <a:chOff x="2741428" y="864781"/>
+              <a:chExt cx="1362741" cy="1362740"/>
+            </a:xfrm>
+          </p:grpSpPr>
+          <p:sp>
+            <p:nvSpPr>
+              <p:cNvPr id="10" name="Rectangle 9"/>
+              <p:cNvSpPr/>
+              <p:nvPr/>
+            </p:nvSpPr>
+            <p:spPr>
+              <a:xfrm>
+                <a:off x="2741428" y="864781"/>
+                <a:ext cx="1362740" cy="1362740"/>
+              </a:xfrm>
+              <a:prstGeom prst="rect">
+                <a:avLst/>
+              </a:prstGeom>
+              <a:solidFill>
+                <a:schemeClr val="bg1"/>
+              </a:solidFill>
+              <a:ln>
+                <a:solidFill>
+                  <a:schemeClr val="tx1"/>
+                </a:solidFill>
+              </a:ln>
+            </p:spPr>
+            <p:style>
+              <a:lnRef idx="2">
+                <a:schemeClr val="accent1">
+                  <a:shade val="50000"/>
+                </a:schemeClr>
+              </a:lnRef>
+              <a:fillRef idx="1">
+                <a:schemeClr val="accent1"/>
+              </a:fillRef>
+              <a:effectRef idx="0">
+                <a:schemeClr val="accent1"/>
+              </a:effectRef>
+              <a:fontRef idx="minor">
+                <a:schemeClr val="lt1"/>
+              </a:fontRef>
+            </p:style>
+            <p:txBody>
+              <a:bodyPr rtlCol="0" anchor="ctr"/>
+              <a:lstStyle/>
+              <a:p>
+                <a:pPr algn="ctr"/>
+                <a:r>
+                  <a:rPr lang="en-US" smtClean="0"/>
+                  <a:t> </a:t>
+                </a:r>
+                <a:endParaRPr lang="en-US"/>
+              </a:p>
+            </p:txBody>
+          </p:sp>
+          <p:cxnSp>
+            <p:nvCxnSpPr>
+              <p:cNvPr id="12" name="Straight Connector 11"/>
+              <p:cNvCxnSpPr/>
+              <p:nvPr/>
+            </p:nvCxnSpPr>
+            <p:spPr>
+              <a:xfrm>
+                <a:off x="2741428" y="864781"/>
+                <a:ext cx="1362740" cy="1362740"/>
+              </a:xfrm>
+              <a:prstGeom prst="line">
+                <a:avLst/>
+              </a:prstGeom>
+              <a:ln w="12700">
+                <a:solidFill>
+                  <a:schemeClr val="tx1"/>
+                </a:solidFill>
+              </a:ln>
+            </p:spPr>
+            <p:style>
+              <a:lnRef idx="1">
+                <a:schemeClr val="accent1"/>
+              </a:lnRef>
+              <a:fillRef idx="0">
+                <a:schemeClr val="accent1"/>
+              </a:fillRef>
+              <a:effectRef idx="0">
+                <a:schemeClr val="accent1"/>
+              </a:effectRef>
+              <a:fontRef idx="minor">
+                <a:schemeClr val="tx1"/>
+              </a:fontRef>
+            </p:style>
+          </p:cxnSp>
+          <p:cxnSp>
+            <p:nvCxnSpPr>
+              <p:cNvPr id="16" name="Straight Connector 15"/>
+              <p:cNvCxnSpPr/>
+              <p:nvPr/>
+            </p:nvCxnSpPr>
+            <p:spPr>
+              <a:xfrm flipH="1">
+                <a:off x="2741428" y="864781"/>
+                <a:ext cx="1362741" cy="1362740"/>
+              </a:xfrm>
+              <a:prstGeom prst="line">
+                <a:avLst/>
+              </a:prstGeom>
+              <a:ln w="12700">
+                <a:solidFill>
+                  <a:schemeClr val="tx1"/>
+                </a:solidFill>
+              </a:ln>
+            </p:spPr>
+            <p:style>
+              <a:lnRef idx="1">
+                <a:schemeClr val="accent1"/>
+              </a:lnRef>
+              <a:fillRef idx="0">
+                <a:schemeClr val="accent1"/>
+              </a:fillRef>
+              <a:effectRef idx="0">
+                <a:schemeClr val="accent1"/>
+              </a:effectRef>
+              <a:fontRef idx="minor">
+                <a:schemeClr val="tx1"/>
+              </a:fontRef>
+            </p:style>
+          </p:cxnSp>
+        </p:grpSp>
+        <p:sp>
+          <p:nvSpPr>
+            <p:cNvPr id="21" name="TextBox 20"/>
+            <p:cNvSpPr txBox="1"/>
+            <p:nvPr/>
+          </p:nvSpPr>
+          <p:spPr>
+            <a:xfrm>
+              <a:off x="2308422" y="1327209"/>
+              <a:ext cx="3081433" cy="1154162"/>
+            </a:xfrm>
+            <a:prstGeom prst="rect">
+              <a:avLst/>
+            </a:prstGeom>
+            <a:noFill/>
+          </p:spPr>
+          <p:txBody>
+            <a:bodyPr wrap="square" rtlCol="0">
+              <a:spAutoFit/>
+            </a:bodyPr>
+            <a:lstStyle/>
+            <a:p>
+              <a:r>
+                <a:rPr lang="en-US" dirty="0" smtClean="0">
+                  <a:latin typeface="Cambria" charset="0"/>
+                  <a:ea typeface="Cambria" charset="0"/>
+                  <a:cs typeface="Cambria" charset="0"/>
+                </a:rPr>
+                <a:t>Donald Trump</a:t>
+              </a:r>
+            </a:p>
+            <a:p>
+              <a:endParaRPr lang="en-US" sz="1000" dirty="0">
+                <a:latin typeface="Cambria" charset="0"/>
+                <a:ea typeface="Cambria" charset="0"/>
+                <a:cs typeface="Cambria" charset="0"/>
+              </a:endParaRPr>
+            </a:p>
+            <a:p>
+              <a:pPr algn="just"/>
+              <a:r>
+                <a:rPr lang="en-US" sz="1000" dirty="0" err="1">
+                  <a:latin typeface="Cambria" charset="0"/>
+                  <a:ea typeface="Cambria" charset="0"/>
+                  <a:cs typeface="Cambria" charset="0"/>
+                </a:rPr>
+                <a:t>Lorem</a:t>
+              </a:r>
+              <a:r>
+                <a:rPr lang="en-US" sz="1000" dirty="0">
+                  <a:latin typeface="Cambria" charset="0"/>
+                  <a:ea typeface="Cambria" charset="0"/>
+                  <a:cs typeface="Cambria" charset="0"/>
+                </a:rPr>
+                <a:t> </a:t>
+              </a:r>
+              <a:r>
+                <a:rPr lang="en-US" sz="1000" dirty="0" err="1">
+                  <a:latin typeface="Cambria" charset="0"/>
+                  <a:ea typeface="Cambria" charset="0"/>
+                  <a:cs typeface="Cambria" charset="0"/>
+                </a:rPr>
+                <a:t>ipsum</a:t>
+              </a:r>
+              <a:r>
+                <a:rPr lang="en-US" sz="1000" dirty="0">
+                  <a:latin typeface="Cambria" charset="0"/>
+                  <a:ea typeface="Cambria" charset="0"/>
+                  <a:cs typeface="Cambria" charset="0"/>
+                </a:rPr>
+                <a:t> dolor sit </a:t>
+              </a:r>
+              <a:r>
+                <a:rPr lang="en-US" sz="1000" dirty="0" err="1">
+                  <a:latin typeface="Cambria" charset="0"/>
+                  <a:ea typeface="Cambria" charset="0"/>
+                  <a:cs typeface="Cambria" charset="0"/>
+                </a:rPr>
+                <a:t>amet</a:t>
+              </a:r>
+              <a:r>
+                <a:rPr lang="en-US" sz="1000" dirty="0">
+                  <a:latin typeface="Cambria" charset="0"/>
+                  <a:ea typeface="Cambria" charset="0"/>
+                  <a:cs typeface="Cambria" charset="0"/>
+                </a:rPr>
+                <a:t>, </a:t>
+              </a:r>
+              <a:r>
+                <a:rPr lang="en-US" sz="1000" dirty="0" err="1">
+                  <a:latin typeface="Cambria" charset="0"/>
+                  <a:ea typeface="Cambria" charset="0"/>
+                  <a:cs typeface="Cambria" charset="0"/>
+                </a:rPr>
+                <a:t>consectetur</a:t>
+              </a:r>
+              <a:r>
+                <a:rPr lang="en-US" sz="1000" dirty="0">
+                  <a:latin typeface="Cambria" charset="0"/>
+                  <a:ea typeface="Cambria" charset="0"/>
+                  <a:cs typeface="Cambria" charset="0"/>
+                </a:rPr>
+                <a:t> </a:t>
+              </a:r>
+              <a:r>
+                <a:rPr lang="en-US" sz="1000" dirty="0" err="1">
+                  <a:latin typeface="Cambria" charset="0"/>
+                  <a:ea typeface="Cambria" charset="0"/>
+                  <a:cs typeface="Cambria" charset="0"/>
+                </a:rPr>
+                <a:t>adipiscing</a:t>
+              </a:r>
+              <a:r>
+                <a:rPr lang="en-US" sz="1000" dirty="0">
+                  <a:latin typeface="Cambria" charset="0"/>
+                  <a:ea typeface="Cambria" charset="0"/>
+                  <a:cs typeface="Cambria" charset="0"/>
+                </a:rPr>
+                <a:t> </a:t>
+              </a:r>
+              <a:r>
+                <a:rPr lang="en-US" sz="1000" dirty="0" err="1">
+                  <a:latin typeface="Cambria" charset="0"/>
+                  <a:ea typeface="Cambria" charset="0"/>
+                  <a:cs typeface="Cambria" charset="0"/>
+                </a:rPr>
+                <a:t>elit</a:t>
+              </a:r>
+              <a:r>
+                <a:rPr lang="en-US" sz="1000" dirty="0">
+                  <a:latin typeface="Cambria" charset="0"/>
+                  <a:ea typeface="Cambria" charset="0"/>
+                  <a:cs typeface="Cambria" charset="0"/>
+                </a:rPr>
+                <a:t>. </a:t>
+              </a:r>
+              <a:r>
+                <a:rPr lang="en-US" sz="1000" dirty="0" err="1">
+                  <a:latin typeface="Cambria" charset="0"/>
+                  <a:ea typeface="Cambria" charset="0"/>
+                  <a:cs typeface="Cambria" charset="0"/>
+                </a:rPr>
+                <a:t>Nunc</a:t>
+              </a:r>
+              <a:r>
+                <a:rPr lang="en-US" sz="1000" dirty="0">
+                  <a:latin typeface="Cambria" charset="0"/>
+                  <a:ea typeface="Cambria" charset="0"/>
+                  <a:cs typeface="Cambria" charset="0"/>
+                </a:rPr>
+                <a:t> </a:t>
+              </a:r>
+              <a:r>
+                <a:rPr lang="en-US" sz="1000" dirty="0" err="1">
+                  <a:latin typeface="Cambria" charset="0"/>
+                  <a:ea typeface="Cambria" charset="0"/>
+                  <a:cs typeface="Cambria" charset="0"/>
+                </a:rPr>
+                <a:t>nunc</a:t>
+              </a:r>
+              <a:r>
+                <a:rPr lang="en-US" sz="1000" dirty="0">
+                  <a:latin typeface="Cambria" charset="0"/>
+                  <a:ea typeface="Cambria" charset="0"/>
+                  <a:cs typeface="Cambria" charset="0"/>
+                </a:rPr>
+                <a:t> </a:t>
+              </a:r>
+              <a:r>
+                <a:rPr lang="en-US" sz="1000" dirty="0" err="1">
+                  <a:latin typeface="Cambria" charset="0"/>
+                  <a:ea typeface="Cambria" charset="0"/>
+                  <a:cs typeface="Cambria" charset="0"/>
+                </a:rPr>
+                <a:t>risus</a:t>
+              </a:r>
+              <a:r>
+                <a:rPr lang="en-US" sz="1000" dirty="0">
+                  <a:latin typeface="Cambria" charset="0"/>
+                  <a:ea typeface="Cambria" charset="0"/>
+                  <a:cs typeface="Cambria" charset="0"/>
+                </a:rPr>
+                <a:t>, </a:t>
+              </a:r>
+              <a:r>
+                <a:rPr lang="en-US" sz="1000" dirty="0" err="1">
+                  <a:latin typeface="Cambria" charset="0"/>
+                  <a:ea typeface="Cambria" charset="0"/>
+                  <a:cs typeface="Cambria" charset="0"/>
+                </a:rPr>
+                <a:t>aliquet</a:t>
+              </a:r>
+              <a:r>
+                <a:rPr lang="en-US" sz="1000" dirty="0">
+                  <a:latin typeface="Cambria" charset="0"/>
+                  <a:ea typeface="Cambria" charset="0"/>
+                  <a:cs typeface="Cambria" charset="0"/>
+                </a:rPr>
+                <a:t> </a:t>
+              </a:r>
+              <a:r>
+                <a:rPr lang="en-US" sz="1000" dirty="0" err="1">
+                  <a:latin typeface="Cambria" charset="0"/>
+                  <a:ea typeface="Cambria" charset="0"/>
+                  <a:cs typeface="Cambria" charset="0"/>
+                </a:rPr>
+                <a:t>ut</a:t>
+              </a:r>
+              <a:r>
+                <a:rPr lang="en-US" sz="1000" dirty="0">
+                  <a:latin typeface="Cambria" charset="0"/>
+                  <a:ea typeface="Cambria" charset="0"/>
+                  <a:cs typeface="Cambria" charset="0"/>
+                </a:rPr>
+                <a:t> ligula id, </a:t>
+              </a:r>
+              <a:r>
+                <a:rPr lang="en-US" sz="1000" dirty="0" err="1">
+                  <a:latin typeface="Cambria" charset="0"/>
+                  <a:ea typeface="Cambria" charset="0"/>
+                  <a:cs typeface="Cambria" charset="0"/>
+                </a:rPr>
+                <a:t>egestas</a:t>
+              </a:r>
+              <a:r>
+                <a:rPr lang="en-US" sz="1000" dirty="0">
+                  <a:latin typeface="Cambria" charset="0"/>
+                  <a:ea typeface="Cambria" charset="0"/>
+                  <a:cs typeface="Cambria" charset="0"/>
+                </a:rPr>
+                <a:t> </a:t>
+              </a:r>
+              <a:r>
+                <a:rPr lang="en-US" sz="1000" dirty="0" err="1">
+                  <a:latin typeface="Cambria" charset="0"/>
+                  <a:ea typeface="Cambria" charset="0"/>
+                  <a:cs typeface="Cambria" charset="0"/>
+                </a:rPr>
+                <a:t>aliquam</a:t>
+              </a:r>
+              <a:r>
+                <a:rPr lang="en-US" sz="1000" dirty="0">
+                  <a:latin typeface="Cambria" charset="0"/>
+                  <a:ea typeface="Cambria" charset="0"/>
+                  <a:cs typeface="Cambria" charset="0"/>
+                </a:rPr>
+                <a:t> dui. Nam </a:t>
+              </a:r>
+              <a:r>
+                <a:rPr lang="en-US" sz="1000" dirty="0" err="1">
+                  <a:latin typeface="Cambria" charset="0"/>
+                  <a:ea typeface="Cambria" charset="0"/>
+                  <a:cs typeface="Cambria" charset="0"/>
+                </a:rPr>
+                <a:t>aliquam</a:t>
+              </a:r>
+              <a:r>
+                <a:rPr lang="en-US" sz="1000" dirty="0">
+                  <a:latin typeface="Cambria" charset="0"/>
+                  <a:ea typeface="Cambria" charset="0"/>
+                  <a:cs typeface="Cambria" charset="0"/>
+                </a:rPr>
+                <a:t> </a:t>
+              </a:r>
+              <a:r>
+                <a:rPr lang="en-US" sz="1000" dirty="0" err="1">
+                  <a:latin typeface="Cambria" charset="0"/>
+                  <a:ea typeface="Cambria" charset="0"/>
+                  <a:cs typeface="Cambria" charset="0"/>
+                </a:rPr>
+                <a:t>vel</a:t>
+              </a:r>
+              <a:r>
+                <a:rPr lang="en-US" sz="1000" dirty="0">
+                  <a:latin typeface="Cambria" charset="0"/>
+                  <a:ea typeface="Cambria" charset="0"/>
+                  <a:cs typeface="Cambria" charset="0"/>
+                </a:rPr>
+                <a:t> </a:t>
+              </a:r>
+              <a:r>
+                <a:rPr lang="en-US" sz="1000" dirty="0" err="1">
+                  <a:latin typeface="Cambria" charset="0"/>
+                  <a:ea typeface="Cambria" charset="0"/>
+                  <a:cs typeface="Cambria" charset="0"/>
+                </a:rPr>
+                <a:t>justo</a:t>
+              </a:r>
+              <a:r>
+                <a:rPr lang="en-US" sz="1000" dirty="0">
+                  <a:latin typeface="Cambria" charset="0"/>
+                  <a:ea typeface="Cambria" charset="0"/>
+                  <a:cs typeface="Cambria" charset="0"/>
+                </a:rPr>
+                <a:t> id </a:t>
+              </a:r>
+              <a:r>
+                <a:rPr lang="en-US" sz="1000" dirty="0" err="1">
+                  <a:latin typeface="Cambria" charset="0"/>
+                  <a:ea typeface="Cambria" charset="0"/>
+                  <a:cs typeface="Cambria" charset="0"/>
+                </a:rPr>
+                <a:t>pulvinar</a:t>
+              </a:r>
+              <a:r>
+                <a:rPr lang="en-US" sz="1000" dirty="0">
+                  <a:latin typeface="Cambria" charset="0"/>
+                  <a:ea typeface="Cambria" charset="0"/>
+                  <a:cs typeface="Cambria" charset="0"/>
+                </a:rPr>
+                <a:t>. </a:t>
+              </a:r>
+              <a:r>
+                <a:rPr lang="en-US" sz="1000" dirty="0" err="1">
+                  <a:latin typeface="Cambria" charset="0"/>
+                  <a:ea typeface="Cambria" charset="0"/>
+                  <a:cs typeface="Cambria" charset="0"/>
+                </a:rPr>
+                <a:t>Donec</a:t>
+              </a:r>
+              <a:r>
+                <a:rPr lang="en-US" sz="1000" dirty="0">
+                  <a:latin typeface="Cambria" charset="0"/>
+                  <a:ea typeface="Cambria" charset="0"/>
+                  <a:cs typeface="Cambria" charset="0"/>
+                </a:rPr>
+                <a:t> </a:t>
+              </a:r>
+              <a:r>
+                <a:rPr lang="en-US" sz="1000" dirty="0" err="1">
+                  <a:latin typeface="Cambria" charset="0"/>
+                  <a:ea typeface="Cambria" charset="0"/>
+                  <a:cs typeface="Cambria" charset="0"/>
+                </a:rPr>
+                <a:t>nec</a:t>
+              </a:r>
+              <a:r>
+                <a:rPr lang="en-US" sz="1000" dirty="0">
+                  <a:latin typeface="Cambria" charset="0"/>
+                  <a:ea typeface="Cambria" charset="0"/>
+                  <a:cs typeface="Cambria" charset="0"/>
+                </a:rPr>
+                <a:t> </a:t>
+              </a:r>
+              <a:r>
+                <a:rPr lang="en-US" sz="1000" dirty="0" err="1">
+                  <a:latin typeface="Cambria" charset="0"/>
+                  <a:ea typeface="Cambria" charset="0"/>
+                  <a:cs typeface="Cambria" charset="0"/>
+                </a:rPr>
+                <a:t>erat</a:t>
+              </a:r>
+              <a:r>
+                <a:rPr lang="en-US" sz="1000" dirty="0">
+                  <a:latin typeface="Cambria" charset="0"/>
+                  <a:ea typeface="Cambria" charset="0"/>
+                  <a:cs typeface="Cambria" charset="0"/>
+                </a:rPr>
+                <a:t> et </a:t>
+              </a:r>
+              <a:r>
+                <a:rPr lang="en-US" sz="1000" dirty="0" err="1">
+                  <a:latin typeface="Cambria" charset="0"/>
+                  <a:ea typeface="Cambria" charset="0"/>
+                  <a:cs typeface="Cambria" charset="0"/>
+                </a:rPr>
+                <a:t>nulla</a:t>
+              </a:r>
+              <a:r>
+                <a:rPr lang="en-US" sz="1000" dirty="0">
+                  <a:latin typeface="Cambria" charset="0"/>
+                  <a:ea typeface="Cambria" charset="0"/>
+                  <a:cs typeface="Cambria" charset="0"/>
+                </a:rPr>
+                <a:t> </a:t>
+              </a:r>
+              <a:r>
+                <a:rPr lang="en-US" sz="1000" dirty="0" err="1">
+                  <a:latin typeface="Cambria" charset="0"/>
+                  <a:ea typeface="Cambria" charset="0"/>
+                  <a:cs typeface="Cambria" charset="0"/>
+                </a:rPr>
+                <a:t>scelerisque</a:t>
+              </a:r>
+              <a:r>
+                <a:rPr lang="en-US" sz="1000" dirty="0">
+                  <a:latin typeface="Cambria" charset="0"/>
+                  <a:ea typeface="Cambria" charset="0"/>
+                  <a:cs typeface="Cambria" charset="0"/>
+                </a:rPr>
+                <a:t> </a:t>
+              </a:r>
+              <a:r>
+                <a:rPr lang="en-US" sz="1000" dirty="0" err="1">
+                  <a:latin typeface="Cambria" charset="0"/>
+                  <a:ea typeface="Cambria" charset="0"/>
+                  <a:cs typeface="Cambria" charset="0"/>
+                </a:rPr>
+                <a:t>interdum</a:t>
+              </a:r>
+              <a:r>
+                <a:rPr lang="en-US" sz="1000" dirty="0">
+                  <a:latin typeface="Cambria" charset="0"/>
+                  <a:ea typeface="Cambria" charset="0"/>
+                  <a:cs typeface="Cambria" charset="0"/>
+                </a:rPr>
+                <a:t>. </a:t>
+              </a:r>
+            </a:p>
+          </p:txBody>
+        </p:sp>
+      </p:grpSp>
+      <p:sp>
+        <p:nvSpPr>
+          <p:cNvPr id="40" name="Rectangle 39"/>
+          <p:cNvSpPr/>
+          <p:nvPr/>
+        </p:nvSpPr>
+        <p:spPr>
+          <a:xfrm>
+            <a:off x="-5" y="-658963"/>
+            <a:ext cx="648933" cy="648933"/>
+          </a:xfrm>
+          <a:prstGeom prst="rect">
+            <a:avLst/>
+          </a:prstGeom>
+        </p:spPr>
+        <p:style>
+          <a:lnRef idx="2">
+            <a:schemeClr val="accent1">
+              <a:shade val="50000"/>
+            </a:schemeClr>
+          </a:lnRef>
+          <a:fillRef idx="1">
+            <a:schemeClr val="accent1"/>
+          </a:fillRef>
+          <a:effectRef idx="0">
+            <a:schemeClr val="accent1"/>
+          </a:effectRef>
+          <a:fontRef idx="minor">
+            <a:schemeClr val="lt1"/>
+          </a:fontRef>
+        </p:style>
+        <p:txBody>
+          <a:bodyPr rtlCol="0" anchor="ctr"/>
+          <a:lstStyle/>
+          <a:p>
+            <a:pPr algn="ctr"/>
+            <a:endParaRPr lang="en-US"/>
+          </a:p>
+        </p:txBody>
+      </p:sp>
+      <p:sp>
+        <p:nvSpPr>
+          <p:cNvPr id="41" name="Rectangle 40"/>
+          <p:cNvSpPr/>
+          <p:nvPr/>
+        </p:nvSpPr>
+        <p:spPr>
+          <a:xfrm>
+            <a:off x="6209062" y="-658962"/>
+            <a:ext cx="648933" cy="648933"/>
+          </a:xfrm>
+          <a:prstGeom prst="rect">
+            <a:avLst/>
+          </a:prstGeom>
+        </p:spPr>
+        <p:style>
+          <a:lnRef idx="2">
+            <a:schemeClr val="accent1">
+              <a:shade val="50000"/>
+            </a:schemeClr>
+          </a:lnRef>
+          <a:fillRef idx="1">
+            <a:schemeClr val="accent1"/>
+          </a:fillRef>
+          <a:effectRef idx="0">
+            <a:schemeClr val="accent1"/>
+          </a:effectRef>
+          <a:fontRef idx="minor">
+            <a:schemeClr val="lt1"/>
+          </a:fontRef>
+        </p:style>
+        <p:txBody>
+          <a:bodyPr rtlCol="0" anchor="ctr"/>
+          <a:lstStyle/>
+          <a:p>
+            <a:pPr algn="ctr"/>
+            <a:endParaRPr lang="en-US"/>
+          </a:p>
+        </p:txBody>
+      </p:sp>
+      <p:sp>
+        <p:nvSpPr>
+          <p:cNvPr id="19" name="Rectangle 18"/>
+          <p:cNvSpPr/>
+          <p:nvPr/>
+        </p:nvSpPr>
+        <p:spPr>
+          <a:xfrm>
+            <a:off x="0" y="417838"/>
+            <a:ext cx="6858000" cy="333744"/>
+          </a:xfrm>
+          <a:prstGeom prst="rect">
+            <a:avLst/>
+          </a:prstGeom>
+          <a:solidFill>
+            <a:srgbClr val="EFEFEF"/>
+          </a:solidFill>
+          <a:ln>
+            <a:noFill/>
+          </a:ln>
+        </p:spPr>
+        <p:style>
+          <a:lnRef idx="2">
+            <a:schemeClr val="accent1">
+              <a:shade val="50000"/>
+            </a:schemeClr>
+          </a:lnRef>
+          <a:fillRef idx="1">
+            <a:schemeClr val="accent1"/>
+          </a:fillRef>
+          <a:effectRef idx="0">
+            <a:schemeClr val="accent1"/>
+          </a:effectRef>
+          <a:fontRef idx="minor">
+            <a:schemeClr val="lt1"/>
+          </a:fontRef>
+        </p:style>
+        <p:txBody>
+          <a:bodyPr rtlCol="0" anchor="ctr"/>
+          <a:lstStyle/>
+          <a:p>
+            <a:pPr algn="ctr"/>
+            <a:endParaRPr lang="en-US"/>
+          </a:p>
+        </p:txBody>
+      </p:sp>
+      <p:sp>
+        <p:nvSpPr>
+          <p:cNvPr id="20" name="TextBox 19"/>
+          <p:cNvSpPr txBox="1"/>
+          <p:nvPr/>
+        </p:nvSpPr>
+        <p:spPr>
+          <a:xfrm>
+            <a:off x="650490" y="433563"/>
+            <a:ext cx="974957" cy="307777"/>
+          </a:xfrm>
+          <a:prstGeom prst="rect">
+            <a:avLst/>
+          </a:prstGeom>
+          <a:noFill/>
+        </p:spPr>
+        <p:txBody>
+          <a:bodyPr wrap="square" rtlCol="0">
+            <a:spAutoFit/>
+          </a:bodyPr>
+          <a:lstStyle/>
+          <a:p>
+            <a:pPr algn="ctr"/>
+            <a:r>
+              <a:rPr lang="en-US" sz="1400" b="1" dirty="0" smtClean="0">
+                <a:latin typeface="Abadi MT Condensed Extra Bold" charset="0"/>
+                <a:ea typeface="Abadi MT Condensed Extra Bold" charset="0"/>
+                <a:cs typeface="Abadi MT Condensed Extra Bold" charset="0"/>
+              </a:rPr>
+              <a:t>CritiquEat</a:t>
+            </a:r>
+            <a:endParaRPr lang="en-US" sz="1400" b="1" dirty="0">
+              <a:latin typeface="Abadi MT Condensed Extra Bold" charset="0"/>
+              <a:ea typeface="Abadi MT Condensed Extra Bold" charset="0"/>
+              <a:cs typeface="Abadi MT Condensed Extra Bold" charset="0"/>
+            </a:endParaRPr>
+          </a:p>
+        </p:txBody>
+      </p:sp>
+      <p:sp>
+        <p:nvSpPr>
+          <p:cNvPr id="98" name="Rectangle 97"/>
+          <p:cNvSpPr/>
+          <p:nvPr/>
+        </p:nvSpPr>
+        <p:spPr>
+          <a:xfrm>
+            <a:off x="0" y="10184415"/>
+            <a:ext cx="6858000" cy="696348"/>
+          </a:xfrm>
+          <a:prstGeom prst="rect">
+            <a:avLst/>
+          </a:prstGeom>
+          <a:solidFill>
+            <a:srgbClr val="EFEFEF"/>
+          </a:solidFill>
+          <a:ln>
+            <a:noFill/>
+          </a:ln>
+        </p:spPr>
+        <p:style>
+          <a:lnRef idx="2">
+            <a:schemeClr val="accent1">
+              <a:shade val="50000"/>
+            </a:schemeClr>
+          </a:lnRef>
+          <a:fillRef idx="1">
+            <a:schemeClr val="accent1"/>
+          </a:fillRef>
+          <a:effectRef idx="0">
+            <a:schemeClr val="accent1"/>
+          </a:effectRef>
+          <a:fontRef idx="minor">
+            <a:schemeClr val="lt1"/>
+          </a:fontRef>
+        </p:style>
+        <p:txBody>
+          <a:bodyPr rtlCol="0" anchor="ctr"/>
+          <a:lstStyle/>
+          <a:p>
+            <a:pPr algn="ctr"/>
+            <a:endParaRPr lang="en-US"/>
+          </a:p>
+        </p:txBody>
+      </p:sp>
+      <p:sp>
+        <p:nvSpPr>
+          <p:cNvPr id="99" name="TextBox 98"/>
+          <p:cNvSpPr txBox="1"/>
+          <p:nvPr/>
+        </p:nvSpPr>
+        <p:spPr>
+          <a:xfrm>
+            <a:off x="2829316" y="10411275"/>
+            <a:ext cx="3379753" cy="246221"/>
+          </a:xfrm>
+          <a:prstGeom prst="rect">
+            <a:avLst/>
+          </a:prstGeom>
+          <a:noFill/>
+        </p:spPr>
+        <p:txBody>
+          <a:bodyPr wrap="square" rtlCol="0">
+            <a:spAutoFit/>
+          </a:bodyPr>
+          <a:lstStyle/>
+          <a:p>
+            <a:pPr algn="r"/>
+            <a:r>
+              <a:rPr lang="de-DE" sz="1000" dirty="0" smtClean="0">
+                <a:latin typeface="Cambria" charset="0"/>
+                <a:ea typeface="Cambria" charset="0"/>
+                <a:cs typeface="Cambria" charset="0"/>
+              </a:rPr>
+              <a:t>About </a:t>
+            </a:r>
+            <a:r>
+              <a:rPr lang="de-DE" sz="1000" dirty="0">
+                <a:latin typeface="Cambria" charset="0"/>
+                <a:ea typeface="Cambria" charset="0"/>
+                <a:cs typeface="Cambria" charset="0"/>
+              </a:rPr>
+              <a:t>u</a:t>
+            </a:r>
+            <a:r>
+              <a:rPr lang="de-DE" sz="1000" dirty="0" smtClean="0">
+                <a:latin typeface="Cambria" charset="0"/>
+                <a:ea typeface="Cambria" charset="0"/>
+                <a:cs typeface="Cambria" charset="0"/>
+              </a:rPr>
+              <a:t>s  |  Contact us  |  © </a:t>
+            </a:r>
+            <a:r>
+              <a:rPr lang="en-US" sz="1000" dirty="0" smtClean="0">
+                <a:latin typeface="Cambria" charset="0"/>
+                <a:ea typeface="Cambria" charset="0"/>
+                <a:cs typeface="Cambria" charset="0"/>
+              </a:rPr>
+              <a:t>CritiquEat</a:t>
+            </a:r>
+            <a:endParaRPr lang="en-US" sz="1000" dirty="0">
+              <a:latin typeface="Cambria" charset="0"/>
+              <a:ea typeface="Cambria" charset="0"/>
+              <a:cs typeface="Cambria" charset="0"/>
+            </a:endParaRPr>
+          </a:p>
+        </p:txBody>
+      </p:sp>
+      <p:sp>
+        <p:nvSpPr>
+          <p:cNvPr id="157" name="Rectangle 156"/>
+          <p:cNvSpPr/>
+          <p:nvPr/>
+        </p:nvSpPr>
+        <p:spPr>
+          <a:xfrm>
+            <a:off x="6858005" y="9535482"/>
+            <a:ext cx="648933" cy="648933"/>
+          </a:xfrm>
+          <a:prstGeom prst="rect">
+            <a:avLst/>
+          </a:prstGeom>
+        </p:spPr>
+        <p:style>
+          <a:lnRef idx="2">
+            <a:schemeClr val="accent1">
+              <a:shade val="50000"/>
+            </a:schemeClr>
+          </a:lnRef>
+          <a:fillRef idx="1">
+            <a:schemeClr val="accent1"/>
+          </a:fillRef>
+          <a:effectRef idx="0">
+            <a:schemeClr val="accent1"/>
+          </a:effectRef>
+          <a:fontRef idx="minor">
+            <a:schemeClr val="lt1"/>
+          </a:fontRef>
+        </p:style>
+        <p:txBody>
+          <a:bodyPr rtlCol="0" anchor="ctr"/>
+          <a:lstStyle/>
+          <a:p>
+            <a:pPr algn="ctr"/>
+            <a:endParaRPr lang="en-US"/>
+          </a:p>
+        </p:txBody>
+      </p:sp>
+      <p:sp>
+        <p:nvSpPr>
+          <p:cNvPr id="2" name="TextBox 1"/>
+          <p:cNvSpPr txBox="1"/>
+          <p:nvPr/>
+        </p:nvSpPr>
+        <p:spPr>
+          <a:xfrm>
+            <a:off x="648928" y="1390273"/>
+            <a:ext cx="2641600" cy="369332"/>
+          </a:xfrm>
+          <a:prstGeom prst="rect">
+            <a:avLst/>
+          </a:prstGeom>
+          <a:noFill/>
+        </p:spPr>
+        <p:txBody>
+          <a:bodyPr wrap="square" rtlCol="0">
+            <a:spAutoFit/>
+          </a:bodyPr>
+          <a:lstStyle/>
+          <a:p>
+            <a:r>
+              <a:rPr lang="en-US" b="1" dirty="0" err="1" smtClean="0">
+                <a:latin typeface="Cambria" charset="0"/>
+                <a:ea typeface="Cambria" charset="0"/>
+                <a:cs typeface="Cambria" charset="0"/>
+              </a:rPr>
+              <a:t>Sushitei</a:t>
+            </a:r>
+            <a:r>
+              <a:rPr lang="en-US" b="1" dirty="0" smtClean="0">
+                <a:latin typeface="Cambria" charset="0"/>
+                <a:ea typeface="Cambria" charset="0"/>
+                <a:cs typeface="Cambria" charset="0"/>
+              </a:rPr>
+              <a:t> @ </a:t>
+            </a:r>
+            <a:r>
+              <a:rPr lang="en-US" b="1" dirty="0" err="1" smtClean="0">
+                <a:latin typeface="Cambria" charset="0"/>
+                <a:ea typeface="Cambria" charset="0"/>
+                <a:cs typeface="Cambria" charset="0"/>
+              </a:rPr>
+              <a:t>Northpoint</a:t>
+            </a:r>
+            <a:endParaRPr lang="en-US" b="1" dirty="0">
+              <a:latin typeface="Cambria" charset="0"/>
+              <a:ea typeface="Cambria" charset="0"/>
+              <a:cs typeface="Cambria" charset="0"/>
+            </a:endParaRPr>
+          </a:p>
+        </p:txBody>
+      </p:sp>
+      <p:sp>
+        <p:nvSpPr>
+          <p:cNvPr id="128" name="TextBox 127"/>
+          <p:cNvSpPr txBox="1"/>
+          <p:nvPr/>
+        </p:nvSpPr>
+        <p:spPr>
+          <a:xfrm>
+            <a:off x="648933" y="7848497"/>
+            <a:ext cx="2641600" cy="369332"/>
+          </a:xfrm>
+          <a:prstGeom prst="rect">
+            <a:avLst/>
+          </a:prstGeom>
+          <a:noFill/>
+        </p:spPr>
+        <p:txBody>
+          <a:bodyPr wrap="square" rtlCol="0">
+            <a:spAutoFit/>
+          </a:bodyPr>
+          <a:lstStyle/>
+          <a:p>
+            <a:r>
+              <a:rPr lang="en-US" dirty="0" smtClean="0">
+                <a:latin typeface="Cambria" charset="0"/>
+                <a:ea typeface="Cambria" charset="0"/>
+                <a:cs typeface="Cambria" charset="0"/>
+              </a:rPr>
+              <a:t>Critic Profile</a:t>
+            </a:r>
+            <a:endParaRPr lang="en-US" dirty="0">
+              <a:latin typeface="Cambria" charset="0"/>
+              <a:ea typeface="Cambria" charset="0"/>
+              <a:cs typeface="Cambria" charset="0"/>
+            </a:endParaRPr>
+          </a:p>
+        </p:txBody>
+      </p:sp>
+      <p:sp>
+        <p:nvSpPr>
+          <p:cNvPr id="129" name="Rectangle 128"/>
+          <p:cNvSpPr/>
+          <p:nvPr/>
+        </p:nvSpPr>
+        <p:spPr>
+          <a:xfrm>
+            <a:off x="-648938" y="741340"/>
+            <a:ext cx="648933" cy="648933"/>
+          </a:xfrm>
+          <a:prstGeom prst="rect">
+            <a:avLst/>
+          </a:prstGeom>
+        </p:spPr>
+        <p:style>
+          <a:lnRef idx="2">
+            <a:schemeClr val="accent1">
+              <a:shade val="50000"/>
+            </a:schemeClr>
+          </a:lnRef>
+          <a:fillRef idx="1">
+            <a:schemeClr val="accent1"/>
+          </a:fillRef>
+          <a:effectRef idx="0">
+            <a:schemeClr val="accent1"/>
+          </a:effectRef>
+          <a:fontRef idx="minor">
+            <a:schemeClr val="lt1"/>
+          </a:fontRef>
+        </p:style>
+        <p:txBody>
+          <a:bodyPr rtlCol="0" anchor="ctr"/>
+          <a:lstStyle/>
+          <a:p>
+            <a:pPr algn="ctr"/>
+            <a:endParaRPr lang="en-US"/>
+          </a:p>
+        </p:txBody>
+      </p:sp>
+      <p:grpSp>
+        <p:nvGrpSpPr>
+          <p:cNvPr id="3" name="Group 2"/>
+          <p:cNvGrpSpPr/>
+          <p:nvPr/>
+        </p:nvGrpSpPr>
+        <p:grpSpPr>
+          <a:xfrm>
+            <a:off x="1600718" y="3524148"/>
+            <a:ext cx="3611992" cy="1624525"/>
+            <a:chOff x="2624941" y="1986465"/>
+            <a:chExt cx="1127974" cy="1127973"/>
+          </a:xfrm>
+        </p:grpSpPr>
+        <p:sp>
+          <p:nvSpPr>
+            <p:cNvPr id="130" name="Rectangle 129"/>
+            <p:cNvSpPr/>
+            <p:nvPr/>
+          </p:nvSpPr>
+          <p:spPr>
+            <a:xfrm>
+              <a:off x="2624941" y="1986465"/>
+              <a:ext cx="1127973" cy="1127973"/>
+            </a:xfrm>
+            <a:prstGeom prst="rect">
+              <a:avLst/>
+            </a:prstGeom>
+            <a:solidFill>
+              <a:schemeClr val="bg1"/>
+            </a:solidFill>
+            <a:ln>
+              <a:solidFill>
+                <a:schemeClr val="tx1"/>
+              </a:solidFill>
+            </a:ln>
+          </p:spPr>
+          <p:style>
+            <a:lnRef idx="2">
+              <a:schemeClr val="accent1">
+                <a:shade val="50000"/>
+              </a:schemeClr>
+            </a:lnRef>
+            <a:fillRef idx="1">
+              <a:schemeClr val="accent1"/>
+            </a:fillRef>
+            <a:effectRef idx="0">
+              <a:schemeClr val="accent1"/>
+            </a:effectRef>
+            <a:fontRef idx="minor">
+              <a:schemeClr val="lt1"/>
+            </a:fontRef>
+          </p:style>
+          <p:txBody>
+            <a:bodyPr rtlCol="0" anchor="ctr"/>
+            <a:lstStyle/>
+            <a:p>
+              <a:pPr algn="ctr"/>
+              <a:r>
+                <a:rPr lang="en-US" smtClean="0"/>
+                <a:t> </a:t>
+              </a:r>
+              <a:endParaRPr lang="en-US"/>
+            </a:p>
+          </p:txBody>
+        </p:sp>
+        <p:cxnSp>
+          <p:nvCxnSpPr>
+            <p:cNvPr id="131" name="Straight Connector 130"/>
+            <p:cNvCxnSpPr/>
+            <p:nvPr/>
+          </p:nvCxnSpPr>
+          <p:spPr>
+            <a:xfrm>
+              <a:off x="2624941" y="1986465"/>
+              <a:ext cx="1127973" cy="1127973"/>
+            </a:xfrm>
+            <a:prstGeom prst="line">
+              <a:avLst/>
+            </a:prstGeom>
+            <a:ln w="12700">
+              <a:solidFill>
+                <a:schemeClr val="tx1"/>
+              </a:solidFill>
+            </a:ln>
+          </p:spPr>
+          <p:style>
+            <a:lnRef idx="1">
+              <a:schemeClr val="accent1"/>
+            </a:lnRef>
+            <a:fillRef idx="0">
+              <a:schemeClr val="accent1"/>
+            </a:fillRef>
+            <a:effectRef idx="0">
+              <a:schemeClr val="accent1"/>
+            </a:effectRef>
+            <a:fontRef idx="minor">
+              <a:schemeClr val="tx1"/>
+            </a:fontRef>
+          </p:style>
+        </p:cxnSp>
+        <p:cxnSp>
+          <p:nvCxnSpPr>
+            <p:cNvPr id="132" name="Straight Connector 131"/>
+            <p:cNvCxnSpPr/>
+            <p:nvPr/>
+          </p:nvCxnSpPr>
+          <p:spPr>
+            <a:xfrm flipH="1">
+              <a:off x="2624941" y="1986465"/>
+              <a:ext cx="1127974" cy="1127973"/>
+            </a:xfrm>
+            <a:prstGeom prst="line">
+              <a:avLst/>
+            </a:prstGeom>
+            <a:ln w="12700">
+              <a:solidFill>
+                <a:schemeClr val="tx1"/>
+              </a:solidFill>
+            </a:ln>
+          </p:spPr>
+          <p:style>
+            <a:lnRef idx="1">
+              <a:schemeClr val="accent1"/>
+            </a:lnRef>
+            <a:fillRef idx="0">
+              <a:schemeClr val="accent1"/>
+            </a:fillRef>
+            <a:effectRef idx="0">
+              <a:schemeClr val="accent1"/>
+            </a:effectRef>
+            <a:fontRef idx="minor">
+              <a:schemeClr val="tx1"/>
+            </a:fontRef>
+          </p:style>
+        </p:cxnSp>
+      </p:grpSp>
+      <p:sp>
+        <p:nvSpPr>
+          <p:cNvPr id="4" name="TextBox 3"/>
+          <p:cNvSpPr txBox="1"/>
+          <p:nvPr/>
+        </p:nvSpPr>
+        <p:spPr>
+          <a:xfrm>
+            <a:off x="648928" y="1759605"/>
+            <a:ext cx="3046772" cy="430887"/>
+          </a:xfrm>
+          <a:prstGeom prst="rect">
+            <a:avLst/>
+          </a:prstGeom>
+          <a:noFill/>
+        </p:spPr>
+        <p:txBody>
+          <a:bodyPr wrap="square" rtlCol="0">
+            <a:spAutoFit/>
+          </a:bodyPr>
+          <a:lstStyle/>
+          <a:p>
+            <a:r>
+              <a:rPr lang="en-US" sz="1100" dirty="0"/>
+              <a:t>930 </a:t>
+            </a:r>
+            <a:r>
+              <a:rPr lang="en-US" sz="1100" dirty="0" err="1"/>
+              <a:t>Yishun</a:t>
+            </a:r>
+            <a:r>
+              <a:rPr lang="en-US" sz="1100" dirty="0"/>
+              <a:t> Ave 2 #</a:t>
+            </a:r>
+            <a:r>
+              <a:rPr lang="en-US" sz="1100" dirty="0" smtClean="0"/>
+              <a:t>02-13</a:t>
+            </a:r>
+          </a:p>
+          <a:p>
+            <a:r>
+              <a:rPr lang="en-US" sz="1100" dirty="0" err="1" smtClean="0"/>
+              <a:t>Northpoint</a:t>
+            </a:r>
+            <a:r>
+              <a:rPr lang="en-US" sz="1100" dirty="0" smtClean="0"/>
+              <a:t> </a:t>
+            </a:r>
+            <a:r>
+              <a:rPr lang="en-US" sz="1100" dirty="0"/>
+              <a:t>Shopping Centre, </a:t>
+            </a:r>
+            <a:r>
+              <a:rPr lang="en-US" sz="1100" dirty="0" smtClean="0"/>
+              <a:t>Singapore </a:t>
+            </a:r>
+            <a:r>
+              <a:rPr lang="en-US" sz="1100" dirty="0"/>
+              <a:t>769098</a:t>
+            </a:r>
+            <a:endParaRPr lang="en-US" sz="1100" dirty="0">
+              <a:latin typeface="Cambria" charset="0"/>
+              <a:ea typeface="Cambria" charset="0"/>
+              <a:cs typeface="Cambria" charset="0"/>
+            </a:endParaRPr>
+          </a:p>
+        </p:txBody>
+      </p:sp>
+      <p:sp>
+        <p:nvSpPr>
+          <p:cNvPr id="5" name="TextBox 4"/>
+          <p:cNvSpPr txBox="1"/>
+          <p:nvPr/>
+        </p:nvSpPr>
+        <p:spPr>
+          <a:xfrm>
+            <a:off x="648932" y="5497979"/>
+            <a:ext cx="5560135" cy="2123658"/>
+          </a:xfrm>
+          <a:prstGeom prst="rect">
+            <a:avLst/>
+          </a:prstGeom>
+          <a:noFill/>
+        </p:spPr>
+        <p:txBody>
+          <a:bodyPr wrap="square" rtlCol="0">
+            <a:spAutoFit/>
+          </a:bodyPr>
+          <a:lstStyle/>
+          <a:p>
+            <a:r>
+              <a:rPr lang="en-US" sz="1200" dirty="0" err="1"/>
+              <a:t>Lorem</a:t>
+            </a:r>
+            <a:r>
+              <a:rPr lang="en-US" sz="1200" dirty="0"/>
+              <a:t> </a:t>
+            </a:r>
+            <a:r>
+              <a:rPr lang="en-US" sz="1200" dirty="0" err="1"/>
+              <a:t>ipsum</a:t>
+            </a:r>
+            <a:r>
+              <a:rPr lang="en-US" sz="1200" dirty="0"/>
+              <a:t> dolor sit </a:t>
+            </a:r>
+            <a:r>
+              <a:rPr lang="en-US" sz="1200" dirty="0" err="1"/>
+              <a:t>amet</a:t>
+            </a:r>
+            <a:r>
+              <a:rPr lang="en-US" sz="1200" dirty="0"/>
+              <a:t>, duo </a:t>
+            </a:r>
+            <a:r>
+              <a:rPr lang="en-US" sz="1200" dirty="0" err="1"/>
+              <a:t>eu</a:t>
+            </a:r>
+            <a:r>
+              <a:rPr lang="en-US" sz="1200" dirty="0"/>
+              <a:t> </a:t>
+            </a:r>
+            <a:r>
+              <a:rPr lang="en-US" sz="1200" dirty="0" err="1"/>
+              <a:t>similique</a:t>
+            </a:r>
+            <a:r>
+              <a:rPr lang="en-US" sz="1200" dirty="0"/>
+              <a:t> </a:t>
+            </a:r>
+            <a:r>
+              <a:rPr lang="en-US" sz="1200" dirty="0" err="1"/>
+              <a:t>dissentiunt</a:t>
+            </a:r>
+            <a:r>
+              <a:rPr lang="en-US" sz="1200" dirty="0"/>
+              <a:t>, no duo </a:t>
+            </a:r>
+            <a:r>
+              <a:rPr lang="en-US" sz="1200" dirty="0" err="1"/>
+              <a:t>possim</a:t>
+            </a:r>
+            <a:r>
+              <a:rPr lang="en-US" sz="1200" dirty="0"/>
+              <a:t> </a:t>
+            </a:r>
+            <a:r>
+              <a:rPr lang="en-US" sz="1200" dirty="0" err="1"/>
+              <a:t>iuvaret</a:t>
+            </a:r>
+            <a:r>
+              <a:rPr lang="en-US" sz="1200" dirty="0"/>
+              <a:t>, ex </a:t>
+            </a:r>
+            <a:r>
+              <a:rPr lang="en-US" sz="1200" dirty="0" err="1"/>
+              <a:t>tamquam</a:t>
+            </a:r>
+            <a:r>
+              <a:rPr lang="en-US" sz="1200" dirty="0"/>
+              <a:t> </a:t>
+            </a:r>
+            <a:r>
+              <a:rPr lang="en-US" sz="1200" dirty="0" err="1"/>
+              <a:t>feugait</a:t>
+            </a:r>
+            <a:r>
+              <a:rPr lang="en-US" sz="1200" dirty="0"/>
+              <a:t> </a:t>
+            </a:r>
+            <a:r>
+              <a:rPr lang="en-US" sz="1200" dirty="0" err="1"/>
+              <a:t>aliquando</a:t>
+            </a:r>
+            <a:r>
+              <a:rPr lang="en-US" sz="1200" dirty="0"/>
+              <a:t> per. Duo </a:t>
+            </a:r>
+            <a:r>
+              <a:rPr lang="en-US" sz="1200" dirty="0" err="1"/>
+              <a:t>iriure</a:t>
+            </a:r>
+            <a:r>
+              <a:rPr lang="en-US" sz="1200" dirty="0"/>
+              <a:t> </a:t>
+            </a:r>
+            <a:r>
+              <a:rPr lang="en-US" sz="1200" dirty="0" err="1"/>
+              <a:t>iudicabit</a:t>
+            </a:r>
+            <a:r>
+              <a:rPr lang="en-US" sz="1200" dirty="0"/>
+              <a:t> </a:t>
+            </a:r>
+            <a:r>
+              <a:rPr lang="en-US" sz="1200" dirty="0" err="1"/>
+              <a:t>erroribus</a:t>
+            </a:r>
+            <a:r>
+              <a:rPr lang="en-US" sz="1200" dirty="0"/>
+              <a:t> </a:t>
+            </a:r>
+            <a:r>
+              <a:rPr lang="en-US" sz="1200" dirty="0" err="1"/>
+              <a:t>ei</a:t>
+            </a:r>
+            <a:r>
+              <a:rPr lang="en-US" sz="1200" dirty="0"/>
+              <a:t>, has ex </a:t>
+            </a:r>
+            <a:r>
+              <a:rPr lang="en-US" sz="1200" dirty="0" err="1"/>
+              <a:t>sonet</a:t>
+            </a:r>
+            <a:r>
+              <a:rPr lang="en-US" sz="1200" dirty="0"/>
+              <a:t> </a:t>
+            </a:r>
+            <a:r>
+              <a:rPr lang="en-US" sz="1200" dirty="0" err="1"/>
+              <a:t>corrumpit</a:t>
+            </a:r>
+            <a:r>
+              <a:rPr lang="en-US" sz="1200" dirty="0"/>
+              <a:t>. Minim </a:t>
+            </a:r>
+            <a:r>
+              <a:rPr lang="en-US" sz="1200" dirty="0" err="1"/>
+              <a:t>incorrupte</a:t>
+            </a:r>
+            <a:r>
+              <a:rPr lang="en-US" sz="1200" dirty="0"/>
+              <a:t> an sit, </a:t>
+            </a:r>
+            <a:r>
+              <a:rPr lang="en-US" sz="1200" dirty="0" err="1"/>
+              <a:t>soleat</a:t>
+            </a:r>
+            <a:r>
+              <a:rPr lang="en-US" sz="1200" dirty="0"/>
+              <a:t> </a:t>
+            </a:r>
+            <a:r>
+              <a:rPr lang="en-US" sz="1200" dirty="0" err="1"/>
+              <a:t>insolens</a:t>
+            </a:r>
+            <a:r>
+              <a:rPr lang="en-US" sz="1200" dirty="0"/>
+              <a:t> ex usu. Vis cu sale </a:t>
+            </a:r>
+            <a:r>
+              <a:rPr lang="en-US" sz="1200" dirty="0" err="1"/>
+              <a:t>libris</a:t>
+            </a:r>
+            <a:r>
+              <a:rPr lang="en-US" sz="1200" dirty="0"/>
+              <a:t> </a:t>
+            </a:r>
+            <a:r>
+              <a:rPr lang="en-US" sz="1200" dirty="0" err="1"/>
+              <a:t>nostro</a:t>
+            </a:r>
+            <a:r>
+              <a:rPr lang="en-US" sz="1200" dirty="0" smtClean="0"/>
+              <a:t>.</a:t>
+            </a:r>
+          </a:p>
+          <a:p>
+            <a:endParaRPr lang="en-US" sz="1200" dirty="0"/>
+          </a:p>
+          <a:p>
+            <a:r>
+              <a:rPr lang="en-US" sz="1200" dirty="0" err="1"/>
+              <a:t>Diceret</a:t>
+            </a:r>
+            <a:r>
+              <a:rPr lang="en-US" sz="1200" dirty="0"/>
+              <a:t> </a:t>
+            </a:r>
+            <a:r>
+              <a:rPr lang="en-US" sz="1200" dirty="0" err="1"/>
+              <a:t>dignissim</a:t>
+            </a:r>
+            <a:r>
+              <a:rPr lang="en-US" sz="1200" dirty="0"/>
+              <a:t> </a:t>
+            </a:r>
+            <a:r>
+              <a:rPr lang="en-US" sz="1200" dirty="0" err="1"/>
+              <a:t>ut</a:t>
+            </a:r>
+            <a:r>
+              <a:rPr lang="en-US" sz="1200" dirty="0"/>
+              <a:t> per. Facer </a:t>
+            </a:r>
+            <a:r>
+              <a:rPr lang="en-US" sz="1200" dirty="0" err="1"/>
+              <a:t>dictas</a:t>
+            </a:r>
+            <a:r>
+              <a:rPr lang="en-US" sz="1200" dirty="0"/>
+              <a:t> </a:t>
+            </a:r>
+            <a:r>
+              <a:rPr lang="en-US" sz="1200" dirty="0" err="1"/>
+              <a:t>probatus</a:t>
+            </a:r>
+            <a:r>
+              <a:rPr lang="en-US" sz="1200" dirty="0"/>
+              <a:t> </a:t>
+            </a:r>
+            <a:r>
+              <a:rPr lang="en-US" sz="1200" dirty="0" err="1"/>
+              <a:t>ea</a:t>
+            </a:r>
+            <a:r>
+              <a:rPr lang="en-US" sz="1200" dirty="0"/>
+              <a:t> </a:t>
+            </a:r>
+            <a:r>
+              <a:rPr lang="en-US" sz="1200" dirty="0" err="1"/>
+              <a:t>vel</a:t>
+            </a:r>
+            <a:r>
+              <a:rPr lang="en-US" sz="1200" dirty="0"/>
+              <a:t>, cum </a:t>
+            </a:r>
+            <a:r>
+              <a:rPr lang="en-US" sz="1200" dirty="0" err="1"/>
+              <a:t>ullum</a:t>
+            </a:r>
+            <a:r>
+              <a:rPr lang="en-US" sz="1200" dirty="0"/>
+              <a:t> </a:t>
+            </a:r>
+            <a:r>
+              <a:rPr lang="en-US" sz="1200" dirty="0" err="1"/>
+              <a:t>urbanitas</a:t>
+            </a:r>
+            <a:r>
+              <a:rPr lang="en-US" sz="1200" dirty="0"/>
+              <a:t> at, et </a:t>
+            </a:r>
+            <a:r>
+              <a:rPr lang="en-US" sz="1200" dirty="0" err="1"/>
+              <a:t>copiosae</a:t>
+            </a:r>
+            <a:r>
+              <a:rPr lang="en-US" sz="1200" dirty="0"/>
+              <a:t> </a:t>
+            </a:r>
+            <a:r>
+              <a:rPr lang="en-US" sz="1200" dirty="0" err="1"/>
+              <a:t>legendos</a:t>
+            </a:r>
+            <a:r>
+              <a:rPr lang="en-US" sz="1200" dirty="0"/>
+              <a:t> vis. Ad sumo </a:t>
+            </a:r>
+            <a:r>
+              <a:rPr lang="en-US" sz="1200" dirty="0" err="1"/>
+              <a:t>cetero</a:t>
+            </a:r>
+            <a:r>
+              <a:rPr lang="en-US" sz="1200" dirty="0"/>
+              <a:t> </a:t>
+            </a:r>
+            <a:r>
+              <a:rPr lang="en-US" sz="1200" dirty="0" err="1"/>
+              <a:t>constituto</a:t>
+            </a:r>
+            <a:r>
+              <a:rPr lang="en-US" sz="1200" dirty="0"/>
+              <a:t> est. </a:t>
+            </a:r>
+            <a:r>
+              <a:rPr lang="en-US" sz="1200" dirty="0" err="1"/>
+              <a:t>Movet</a:t>
+            </a:r>
+            <a:r>
+              <a:rPr lang="en-US" sz="1200" dirty="0"/>
+              <a:t> </a:t>
+            </a:r>
+            <a:r>
+              <a:rPr lang="en-US" sz="1200" dirty="0" err="1"/>
+              <a:t>delicata</a:t>
+            </a:r>
+            <a:r>
+              <a:rPr lang="en-US" sz="1200" dirty="0"/>
+              <a:t> </a:t>
+            </a:r>
+            <a:r>
+              <a:rPr lang="en-US" sz="1200" dirty="0" err="1"/>
+              <a:t>ea</a:t>
+            </a:r>
+            <a:r>
+              <a:rPr lang="en-US" sz="1200" dirty="0"/>
+              <a:t> </a:t>
+            </a:r>
+            <a:r>
+              <a:rPr lang="en-US" sz="1200" dirty="0" err="1"/>
+              <a:t>nec</a:t>
+            </a:r>
+            <a:r>
+              <a:rPr lang="en-US" sz="1200" dirty="0"/>
+              <a:t>. An </a:t>
+            </a:r>
+            <a:r>
+              <a:rPr lang="en-US" sz="1200" dirty="0" err="1"/>
+              <a:t>est</a:t>
+            </a:r>
+            <a:r>
+              <a:rPr lang="en-US" sz="1200" dirty="0"/>
+              <a:t> </a:t>
+            </a:r>
+            <a:r>
+              <a:rPr lang="en-US" sz="1200" dirty="0" err="1"/>
+              <a:t>harum</a:t>
+            </a:r>
+            <a:r>
+              <a:rPr lang="en-US" sz="1200" dirty="0"/>
+              <a:t> </a:t>
+            </a:r>
+            <a:r>
+              <a:rPr lang="en-US" sz="1200" dirty="0" err="1"/>
+              <a:t>saperet</a:t>
+            </a:r>
+            <a:r>
+              <a:rPr lang="en-US" sz="1200" dirty="0"/>
+              <a:t>, </a:t>
+            </a:r>
+            <a:r>
+              <a:rPr lang="en-US" sz="1200" dirty="0" err="1"/>
+              <a:t>denique</a:t>
+            </a:r>
+            <a:r>
+              <a:rPr lang="en-US" sz="1200" dirty="0"/>
+              <a:t> </a:t>
+            </a:r>
+            <a:r>
+              <a:rPr lang="en-US" sz="1200" dirty="0" err="1"/>
+              <a:t>facilisis</a:t>
+            </a:r>
+            <a:r>
+              <a:rPr lang="en-US" sz="1200" dirty="0"/>
+              <a:t> per </a:t>
+            </a:r>
+            <a:r>
+              <a:rPr lang="en-US" sz="1200" dirty="0" err="1"/>
+              <a:t>ut</a:t>
+            </a:r>
+            <a:r>
+              <a:rPr lang="en-US" sz="1200" dirty="0" err="1" smtClean="0"/>
+              <a:t>.</a:t>
+            </a:r>
+            <a:endParaRPr lang="en-US" sz="1200" dirty="0"/>
+          </a:p>
+          <a:p>
+            <a:endParaRPr lang="en-US" sz="1200" dirty="0" smtClean="0"/>
+          </a:p>
+          <a:p>
+            <a:r>
+              <a:rPr lang="en-US" sz="1200" dirty="0"/>
+              <a:t>Mel </a:t>
+            </a:r>
+            <a:r>
+              <a:rPr lang="en-US" sz="1200" dirty="0" err="1"/>
+              <a:t>te</a:t>
+            </a:r>
+            <a:r>
+              <a:rPr lang="en-US" sz="1200" dirty="0"/>
+              <a:t> dolor </a:t>
+            </a:r>
+            <a:r>
+              <a:rPr lang="en-US" sz="1200" dirty="0" err="1"/>
+              <a:t>nusquam</a:t>
+            </a:r>
+            <a:r>
+              <a:rPr lang="en-US" sz="1200" dirty="0"/>
+              <a:t>, impetus </a:t>
+            </a:r>
+            <a:r>
+              <a:rPr lang="en-US" sz="1200" dirty="0" err="1"/>
+              <a:t>temporibus</a:t>
+            </a:r>
+            <a:r>
+              <a:rPr lang="en-US" sz="1200" dirty="0"/>
+              <a:t> et vel. Cu </a:t>
+            </a:r>
+            <a:r>
+              <a:rPr lang="en-US" sz="1200" dirty="0" err="1"/>
+              <a:t>pri</a:t>
+            </a:r>
+            <a:r>
+              <a:rPr lang="en-US" sz="1200" dirty="0"/>
+              <a:t> </a:t>
+            </a:r>
+            <a:r>
+              <a:rPr lang="en-US" sz="1200" dirty="0" err="1"/>
+              <a:t>nobis</a:t>
+            </a:r>
+            <a:r>
+              <a:rPr lang="en-US" sz="1200" dirty="0"/>
+              <a:t> </a:t>
+            </a:r>
+            <a:r>
+              <a:rPr lang="en-US" sz="1200" dirty="0" err="1"/>
+              <a:t>laudem</a:t>
+            </a:r>
+            <a:r>
+              <a:rPr lang="en-US" sz="1200" dirty="0"/>
+              <a:t>, </a:t>
+            </a:r>
+            <a:r>
+              <a:rPr lang="en-US" sz="1200" dirty="0" err="1"/>
+              <a:t>noluisse</a:t>
+            </a:r>
+            <a:r>
+              <a:rPr lang="en-US" sz="1200" dirty="0"/>
+              <a:t> </a:t>
+            </a:r>
+            <a:r>
+              <a:rPr lang="en-US" sz="1200" dirty="0" err="1"/>
+              <a:t>gloriatur</a:t>
+            </a:r>
+            <a:r>
+              <a:rPr lang="en-US" sz="1200" dirty="0"/>
+              <a:t> at </a:t>
+            </a:r>
+            <a:r>
+              <a:rPr lang="en-US" sz="1200" dirty="0" err="1"/>
+              <a:t>eum</a:t>
+            </a:r>
+            <a:r>
+              <a:rPr lang="en-US" sz="1200" dirty="0"/>
+              <a:t>, </a:t>
+            </a:r>
+            <a:r>
+              <a:rPr lang="en-US" sz="1200" dirty="0" err="1"/>
+              <a:t>dolore</a:t>
+            </a:r>
+            <a:r>
+              <a:rPr lang="en-US" sz="1200" dirty="0"/>
+              <a:t> </a:t>
+            </a:r>
+            <a:r>
+              <a:rPr lang="en-US" sz="1200" dirty="0" err="1"/>
+              <a:t>tibique</a:t>
+            </a:r>
+            <a:r>
+              <a:rPr lang="en-US" sz="1200" dirty="0"/>
+              <a:t> </a:t>
+            </a:r>
+            <a:r>
+              <a:rPr lang="en-US" sz="1200" dirty="0" err="1"/>
+              <a:t>sensibus</a:t>
+            </a:r>
+            <a:r>
+              <a:rPr lang="en-US" sz="1200" dirty="0"/>
+              <a:t> </a:t>
+            </a:r>
+            <a:r>
+              <a:rPr lang="en-US" sz="1200" dirty="0" err="1"/>
+              <a:t>est</a:t>
+            </a:r>
+            <a:r>
+              <a:rPr lang="en-US" sz="1200" dirty="0"/>
+              <a:t> ne. Vim ad </a:t>
+            </a:r>
+            <a:r>
+              <a:rPr lang="en-US" sz="1200" dirty="0" err="1"/>
+              <a:t>etiam</a:t>
+            </a:r>
+            <a:r>
+              <a:rPr lang="en-US" sz="1200" dirty="0"/>
+              <a:t> </a:t>
+            </a:r>
+            <a:r>
+              <a:rPr lang="en-US" sz="1200" dirty="0" err="1"/>
+              <a:t>consequat</a:t>
+            </a:r>
+            <a:r>
+              <a:rPr lang="en-US" sz="1200" dirty="0"/>
+              <a:t>, cu </a:t>
+            </a:r>
+            <a:r>
+              <a:rPr lang="en-US" sz="1200" dirty="0" err="1"/>
+              <a:t>sed</a:t>
+            </a:r>
+            <a:r>
+              <a:rPr lang="en-US" sz="1200" dirty="0"/>
+              <a:t> </a:t>
+            </a:r>
+            <a:r>
+              <a:rPr lang="en-US" sz="1200" dirty="0" err="1"/>
+              <a:t>mutat</a:t>
+            </a:r>
+            <a:r>
+              <a:rPr lang="en-US" sz="1200" dirty="0"/>
+              <a:t> </a:t>
+            </a:r>
+            <a:r>
+              <a:rPr lang="en-US" sz="1200" dirty="0" err="1"/>
+              <a:t>malis</a:t>
+            </a:r>
+            <a:r>
+              <a:rPr lang="en-US" sz="1200" dirty="0"/>
+              <a:t>, duo </a:t>
+            </a:r>
+            <a:r>
+              <a:rPr lang="en-US" sz="1200" dirty="0" err="1"/>
+              <a:t>paulo</a:t>
+            </a:r>
+            <a:r>
+              <a:rPr lang="en-US" sz="1200" dirty="0"/>
+              <a:t> </a:t>
+            </a:r>
+            <a:r>
+              <a:rPr lang="en-US" sz="1200" dirty="0" err="1"/>
+              <a:t>honestatis</a:t>
+            </a:r>
+            <a:r>
+              <a:rPr lang="en-US" sz="1200" dirty="0"/>
+              <a:t> ea. </a:t>
+            </a:r>
+            <a:r>
+              <a:rPr lang="en-US" sz="1200" dirty="0" err="1"/>
+              <a:t>Praesent</a:t>
+            </a:r>
+            <a:r>
+              <a:rPr lang="en-US" sz="1200" dirty="0"/>
+              <a:t> </a:t>
+            </a:r>
+            <a:r>
+              <a:rPr lang="en-US" sz="1200" dirty="0" err="1"/>
+              <a:t>tincidunt</a:t>
+            </a:r>
+            <a:r>
+              <a:rPr lang="en-US" sz="1200" dirty="0"/>
+              <a:t> ad quo. Quo </a:t>
+            </a:r>
+            <a:r>
+              <a:rPr lang="en-US" sz="1200" dirty="0" err="1"/>
+              <a:t>malorum</a:t>
+            </a:r>
+            <a:r>
+              <a:rPr lang="en-US" sz="1200" dirty="0"/>
+              <a:t> </a:t>
+            </a:r>
+            <a:r>
+              <a:rPr lang="en-US" sz="1200" dirty="0" err="1"/>
+              <a:t>torquatos</a:t>
+            </a:r>
+            <a:r>
+              <a:rPr lang="en-US" sz="1200" dirty="0"/>
+              <a:t> ex.</a:t>
+            </a:r>
+          </a:p>
+        </p:txBody>
+      </p:sp>
+      <p:sp>
+        <p:nvSpPr>
+          <p:cNvPr id="9" name="Rectangle 8"/>
+          <p:cNvSpPr/>
+          <p:nvPr/>
+        </p:nvSpPr>
+        <p:spPr>
+          <a:xfrm>
+            <a:off x="648928" y="2367077"/>
+            <a:ext cx="5560134" cy="666997"/>
+          </a:xfrm>
+          <a:prstGeom prst="rect">
+            <a:avLst/>
+          </a:prstGeom>
+          <a:solidFill>
+            <a:srgbClr val="EFEFEF">
+              <a:alpha val="30000"/>
+            </a:srgbClr>
+          </a:solidFill>
+          <a:ln>
+            <a:solidFill>
+              <a:schemeClr val="bg1"/>
+            </a:solidFill>
+          </a:ln>
+        </p:spPr>
+        <p:style>
+          <a:lnRef idx="2">
+            <a:schemeClr val="accent1">
+              <a:shade val="50000"/>
+            </a:schemeClr>
+          </a:lnRef>
+          <a:fillRef idx="1">
+            <a:schemeClr val="accent1"/>
+          </a:fillRef>
+          <a:effectRef idx="0">
+            <a:schemeClr val="accent1"/>
+          </a:effectRef>
+          <a:fontRef idx="minor">
+            <a:schemeClr val="lt1"/>
+          </a:fontRef>
+        </p:style>
+        <p:txBody>
+          <a:bodyPr rtlCol="0" anchor="ctr"/>
+          <a:lstStyle/>
+          <a:p>
+            <a:pPr algn="ctr"/>
+            <a:endParaRPr lang="en-US"/>
+          </a:p>
+        </p:txBody>
+      </p:sp>
+      <p:pic>
+        <p:nvPicPr>
+          <p:cNvPr id="11" name="Picture 10"/>
+          <p:cNvPicPr>
+            <a:picLocks noChangeAspect="1"/>
+          </p:cNvPicPr>
+          <p:nvPr/>
+        </p:nvPicPr>
+        <p:blipFill>
+          <a:blip r:embed="rId3">
+            <a:extLst>
+              <a:ext uri="{28A0092B-C50C-407E-A947-70E740481C1C}">
+                <a14:useLocalDpi xmlns:a14="http://schemas.microsoft.com/office/drawing/2010/main" val="0"/>
+              </a:ext>
+            </a:extLst>
+          </a:blip>
+          <a:stretch>
+            <a:fillRect/>
+          </a:stretch>
+        </p:blipFill>
+        <p:spPr>
+          <a:xfrm>
+            <a:off x="3110795" y="2679973"/>
+            <a:ext cx="201073" cy="201073"/>
+          </a:xfrm>
+          <a:prstGeom prst="rect">
+            <a:avLst/>
+          </a:prstGeom>
+        </p:spPr>
+      </p:pic>
+      <p:sp>
+        <p:nvSpPr>
+          <p:cNvPr id="13" name="TextBox 12"/>
+          <p:cNvSpPr txBox="1"/>
+          <p:nvPr/>
+        </p:nvSpPr>
+        <p:spPr>
+          <a:xfrm>
+            <a:off x="2971619" y="2434856"/>
+            <a:ext cx="839972" cy="276999"/>
+          </a:xfrm>
+          <a:prstGeom prst="rect">
+            <a:avLst/>
+          </a:prstGeom>
+          <a:noFill/>
+        </p:spPr>
+        <p:txBody>
+          <a:bodyPr wrap="square" rtlCol="0">
+            <a:spAutoFit/>
+          </a:bodyPr>
+          <a:lstStyle/>
+          <a:p>
+            <a:pPr algn="ctr"/>
+            <a:r>
+              <a:rPr lang="en-US" sz="1200" b="1" dirty="0" smtClean="0">
+                <a:latin typeface="Cambria" charset="0"/>
+                <a:ea typeface="Cambria" charset="0"/>
+                <a:cs typeface="Cambria" charset="0"/>
+              </a:rPr>
+              <a:t>Price</a:t>
+            </a:r>
+            <a:endParaRPr lang="en-US" sz="1200" b="1" dirty="0">
+              <a:latin typeface="Cambria" charset="0"/>
+              <a:ea typeface="Cambria" charset="0"/>
+              <a:cs typeface="Cambria" charset="0"/>
+            </a:endParaRPr>
+          </a:p>
+        </p:txBody>
+      </p:sp>
+      <p:sp>
+        <p:nvSpPr>
+          <p:cNvPr id="135" name="TextBox 134"/>
+          <p:cNvSpPr txBox="1"/>
+          <p:nvPr/>
+        </p:nvSpPr>
+        <p:spPr>
+          <a:xfrm>
+            <a:off x="1334920" y="2434855"/>
+            <a:ext cx="839972" cy="276999"/>
+          </a:xfrm>
+          <a:prstGeom prst="rect">
+            <a:avLst/>
+          </a:prstGeom>
+          <a:noFill/>
+        </p:spPr>
+        <p:txBody>
+          <a:bodyPr wrap="square" rtlCol="0">
+            <a:spAutoFit/>
+          </a:bodyPr>
+          <a:lstStyle/>
+          <a:p>
+            <a:pPr algn="ctr"/>
+            <a:r>
+              <a:rPr lang="en-US" sz="1200" b="1" dirty="0" smtClean="0">
+                <a:latin typeface="Cambria" charset="0"/>
+                <a:ea typeface="Cambria" charset="0"/>
+                <a:cs typeface="Cambria" charset="0"/>
+              </a:rPr>
+              <a:t>Taste</a:t>
+            </a:r>
+            <a:endParaRPr lang="en-US" sz="1200" b="1" dirty="0">
+              <a:latin typeface="Cambria" charset="0"/>
+              <a:ea typeface="Cambria" charset="0"/>
+              <a:cs typeface="Cambria" charset="0"/>
+            </a:endParaRPr>
+          </a:p>
+        </p:txBody>
+      </p:sp>
+      <p:sp>
+        <p:nvSpPr>
+          <p:cNvPr id="136" name="TextBox 135"/>
+          <p:cNvSpPr txBox="1"/>
+          <p:nvPr/>
+        </p:nvSpPr>
+        <p:spPr>
+          <a:xfrm>
+            <a:off x="4475253" y="2437500"/>
+            <a:ext cx="839972" cy="276999"/>
+          </a:xfrm>
+          <a:prstGeom prst="rect">
+            <a:avLst/>
+          </a:prstGeom>
+          <a:noFill/>
+        </p:spPr>
+        <p:txBody>
+          <a:bodyPr wrap="square" rtlCol="0">
+            <a:spAutoFit/>
+          </a:bodyPr>
+          <a:lstStyle/>
+          <a:p>
+            <a:pPr algn="ctr"/>
+            <a:r>
+              <a:rPr lang="en-US" sz="1200" b="1" dirty="0" smtClean="0">
+                <a:latin typeface="Cambria" charset="0"/>
+                <a:ea typeface="Cambria" charset="0"/>
+                <a:cs typeface="Cambria" charset="0"/>
+              </a:rPr>
+              <a:t>Location</a:t>
+            </a:r>
+            <a:endParaRPr lang="en-US" sz="1200" b="1" dirty="0">
+              <a:latin typeface="Cambria" charset="0"/>
+              <a:ea typeface="Cambria" charset="0"/>
+              <a:cs typeface="Cambria" charset="0"/>
+            </a:endParaRPr>
+          </a:p>
+        </p:txBody>
+      </p:sp>
+      <p:pic>
+        <p:nvPicPr>
+          <p:cNvPr id="137" name="Picture 136"/>
+          <p:cNvPicPr>
+            <a:picLocks noChangeAspect="1"/>
+          </p:cNvPicPr>
+          <p:nvPr/>
+        </p:nvPicPr>
+        <p:blipFill>
+          <a:blip r:embed="rId3">
+            <a:extLst>
+              <a:ext uri="{28A0092B-C50C-407E-A947-70E740481C1C}">
+                <a14:useLocalDpi xmlns:a14="http://schemas.microsoft.com/office/drawing/2010/main" val="0"/>
+              </a:ext>
+            </a:extLst>
+          </a:blip>
+          <a:stretch>
+            <a:fillRect/>
+          </a:stretch>
+        </p:blipFill>
+        <p:spPr>
+          <a:xfrm>
+            <a:off x="3290528" y="2679974"/>
+            <a:ext cx="201073" cy="201073"/>
+          </a:xfrm>
+          <a:prstGeom prst="rect">
+            <a:avLst/>
+          </a:prstGeom>
+        </p:spPr>
+      </p:pic>
+      <p:pic>
+        <p:nvPicPr>
+          <p:cNvPr id="138" name="Picture 137"/>
+          <p:cNvPicPr>
+            <a:picLocks noChangeAspect="1"/>
+          </p:cNvPicPr>
+          <p:nvPr/>
+        </p:nvPicPr>
+        <p:blipFill>
+          <a:blip r:embed="rId3">
+            <a:extLst>
+              <a:ext uri="{28A0092B-C50C-407E-A947-70E740481C1C}">
+                <a14:useLocalDpi xmlns:a14="http://schemas.microsoft.com/office/drawing/2010/main" val="0"/>
+              </a:ext>
+            </a:extLst>
+          </a:blip>
+          <a:stretch>
+            <a:fillRect/>
+          </a:stretch>
+        </p:blipFill>
+        <p:spPr>
+          <a:xfrm>
+            <a:off x="3459695" y="2679974"/>
+            <a:ext cx="201073" cy="201073"/>
+          </a:xfrm>
+          <a:prstGeom prst="rect">
+            <a:avLst/>
+          </a:prstGeom>
+        </p:spPr>
+      </p:pic>
+      <p:pic>
+        <p:nvPicPr>
+          <p:cNvPr id="14" name="Picture 13"/>
+          <p:cNvPicPr>
+            <a:picLocks noChangeAspect="1"/>
+          </p:cNvPicPr>
+          <p:nvPr/>
+        </p:nvPicPr>
+        <p:blipFill>
+          <a:blip r:embed="rId4">
+            <a:extLst>
+              <a:ext uri="{28A0092B-C50C-407E-A947-70E740481C1C}">
+                <a14:useLocalDpi xmlns:a14="http://schemas.microsoft.com/office/drawing/2010/main" val="0"/>
+              </a:ext>
+            </a:extLst>
+          </a:blip>
+          <a:stretch>
+            <a:fillRect/>
+          </a:stretch>
+        </p:blipFill>
+        <p:spPr>
+          <a:xfrm>
+            <a:off x="1441544" y="2687011"/>
+            <a:ext cx="194732" cy="194732"/>
+          </a:xfrm>
+          <a:prstGeom prst="rect">
+            <a:avLst/>
+          </a:prstGeom>
+        </p:spPr>
+      </p:pic>
+      <p:pic>
+        <p:nvPicPr>
+          <p:cNvPr id="139" name="Picture 138"/>
+          <p:cNvPicPr>
+            <a:picLocks noChangeAspect="1"/>
+          </p:cNvPicPr>
+          <p:nvPr/>
+        </p:nvPicPr>
+        <p:blipFill>
+          <a:blip r:embed="rId4">
+            <a:extLst>
+              <a:ext uri="{28A0092B-C50C-407E-A947-70E740481C1C}">
+                <a14:useLocalDpi xmlns:a14="http://schemas.microsoft.com/office/drawing/2010/main" val="0"/>
+              </a:ext>
+            </a:extLst>
+          </a:blip>
+          <a:stretch>
+            <a:fillRect/>
+          </a:stretch>
+        </p:blipFill>
+        <p:spPr>
+          <a:xfrm>
+            <a:off x="1657540" y="2685101"/>
+            <a:ext cx="194732" cy="194732"/>
+          </a:xfrm>
+          <a:prstGeom prst="rect">
+            <a:avLst/>
+          </a:prstGeom>
+        </p:spPr>
+      </p:pic>
+      <p:pic>
+        <p:nvPicPr>
+          <p:cNvPr id="140" name="Picture 139"/>
+          <p:cNvPicPr>
+            <a:picLocks noChangeAspect="1"/>
+          </p:cNvPicPr>
+          <p:nvPr/>
+        </p:nvPicPr>
+        <p:blipFill>
+          <a:blip r:embed="rId4">
+            <a:extLst>
+              <a:ext uri="{28A0092B-C50C-407E-A947-70E740481C1C}">
+                <a14:useLocalDpi xmlns:a14="http://schemas.microsoft.com/office/drawing/2010/main" val="0"/>
+              </a:ext>
+            </a:extLst>
+          </a:blip>
+          <a:stretch>
+            <a:fillRect/>
+          </a:stretch>
+        </p:blipFill>
+        <p:spPr>
+          <a:xfrm>
+            <a:off x="1871188" y="2683840"/>
+            <a:ext cx="194732" cy="194732"/>
+          </a:xfrm>
+          <a:prstGeom prst="rect">
+            <a:avLst/>
+          </a:prstGeom>
+        </p:spPr>
+      </p:pic>
+      <p:pic>
+        <p:nvPicPr>
+          <p:cNvPr id="15" name="Picture 14"/>
+          <p:cNvPicPr>
+            <a:picLocks noChangeAspect="1"/>
+          </p:cNvPicPr>
+          <p:nvPr/>
+        </p:nvPicPr>
+        <p:blipFill>
+          <a:blip r:embed="rId5">
+            <a:extLst>
+              <a:ext uri="{28A0092B-C50C-407E-A947-70E740481C1C}">
+                <a14:useLocalDpi xmlns:a14="http://schemas.microsoft.com/office/drawing/2010/main" val="0"/>
+              </a:ext>
+            </a:extLst>
+          </a:blip>
+          <a:stretch>
+            <a:fillRect/>
+          </a:stretch>
+        </p:blipFill>
+        <p:spPr>
+          <a:xfrm>
+            <a:off x="4584005" y="2686955"/>
+            <a:ext cx="191617" cy="191617"/>
+          </a:xfrm>
+          <a:prstGeom prst="rect">
+            <a:avLst/>
+          </a:prstGeom>
+        </p:spPr>
+      </p:pic>
+      <p:pic>
+        <p:nvPicPr>
+          <p:cNvPr id="141" name="Picture 140"/>
+          <p:cNvPicPr>
+            <a:picLocks noChangeAspect="1"/>
+          </p:cNvPicPr>
+          <p:nvPr/>
+        </p:nvPicPr>
+        <p:blipFill>
+          <a:blip r:embed="rId5">
+            <a:extLst>
+              <a:ext uri="{28A0092B-C50C-407E-A947-70E740481C1C}">
+                <a14:useLocalDpi xmlns:a14="http://schemas.microsoft.com/office/drawing/2010/main" val="0"/>
+              </a:ext>
+            </a:extLst>
+          </a:blip>
+          <a:stretch>
+            <a:fillRect/>
+          </a:stretch>
+        </p:blipFill>
+        <p:spPr>
+          <a:xfrm>
+            <a:off x="4799431" y="2686955"/>
+            <a:ext cx="191617" cy="191617"/>
+          </a:xfrm>
+          <a:prstGeom prst="rect">
+            <a:avLst/>
+          </a:prstGeom>
+        </p:spPr>
+      </p:pic>
+      <p:pic>
+        <p:nvPicPr>
+          <p:cNvPr id="142" name="Picture 141"/>
+          <p:cNvPicPr>
+            <a:picLocks noChangeAspect="1"/>
+          </p:cNvPicPr>
+          <p:nvPr/>
+        </p:nvPicPr>
+        <p:blipFill>
+          <a:blip r:embed="rId5">
+            <a:extLst>
+              <a:ext uri="{28A0092B-C50C-407E-A947-70E740481C1C}">
+                <a14:useLocalDpi xmlns:a14="http://schemas.microsoft.com/office/drawing/2010/main" val="0"/>
+              </a:ext>
+            </a:extLst>
+          </a:blip>
+          <a:stretch>
+            <a:fillRect/>
+          </a:stretch>
+        </p:blipFill>
+        <p:spPr>
+          <a:xfrm>
+            <a:off x="5007165" y="2686955"/>
+            <a:ext cx="191617" cy="191617"/>
+          </a:xfrm>
+          <a:prstGeom prst="rect">
+            <a:avLst/>
+          </a:prstGeom>
+        </p:spPr>
+      </p:pic>
+      <p:sp>
+        <p:nvSpPr>
+          <p:cNvPr id="45" name="TextBox 44"/>
+          <p:cNvSpPr txBox="1"/>
+          <p:nvPr/>
+        </p:nvSpPr>
+        <p:spPr>
+          <a:xfrm>
+            <a:off x="4997501" y="453385"/>
+            <a:ext cx="1211561" cy="261610"/>
+          </a:xfrm>
+          <a:prstGeom prst="rect">
+            <a:avLst/>
+          </a:prstGeom>
+          <a:noFill/>
+        </p:spPr>
+        <p:txBody>
+          <a:bodyPr wrap="square" rtlCol="0">
+            <a:spAutoFit/>
+          </a:bodyPr>
+          <a:lstStyle/>
+          <a:p>
+            <a:pPr algn="r"/>
+            <a:r>
+              <a:rPr lang="en-US" sz="1100" dirty="0" smtClean="0">
+                <a:latin typeface="Cambria" charset="0"/>
+                <a:ea typeface="Cambria" charset="0"/>
+                <a:cs typeface="Cambria" charset="0"/>
+              </a:rPr>
+              <a:t>Login    Register</a:t>
+            </a:r>
+            <a:endParaRPr lang="en-US" sz="1100" dirty="0">
+              <a:latin typeface="Cambria" charset="0"/>
+              <a:ea typeface="Cambria" charset="0"/>
+              <a:cs typeface="Cambria" charset="0"/>
+            </a:endParaRPr>
+          </a:p>
+        </p:txBody>
+      </p:sp>
+    </p:spTree>
+    <p:extLst>
+      <p:ext uri="{BB962C8B-B14F-4D97-AF65-F5344CB8AC3E}">
+        <p14:creationId xmlns:p14="http://schemas.microsoft.com/office/powerpoint/2010/main" val="1513152804"/>
+      </p:ext>
+    </p:extLst>
+  </p:cSld>
+  <p:clrMapOvr>
+    <a:masterClrMapping/>
+  </p:clrMapOvr>
+  <p:timing>
+    <p:tnLst>
+      <p:par>
+        <p:cTn id="1" dur="indefinite" restart="never" nodeType="tmRoot"/>
+      </p:par>
+    </p:tnLst>
+  </p:timing>
+</p:sld>
+</file>
+
+<file path=ppt/slides/slide7.xml><?xml version="1.0" encoding="utf-8"?>
+<p:sld xmlns:a="http://schemas.openxmlformats.org/drawingml/2006/main" xmlns:r="http://schemas.openxmlformats.org/officeDocument/2006/relationships" xmlns:p="http://schemas.openxmlformats.org/presentationml/2006/main">
+  <p:cSld>
+    <p:spTree>
+      <p:nvGrpSpPr>
+        <p:cNvPr id="1" name=""/>
+        <p:cNvGrpSpPr/>
+        <p:nvPr/>
+      </p:nvGrpSpPr>
+      <p:grpSpPr>
+        <a:xfrm>
+          <a:off x="0" y="0"/>
+          <a:ext cx="0" cy="0"/>
+          <a:chOff x="0" y="0"/>
+          <a:chExt cx="0" cy="0"/>
+        </a:xfrm>
+      </p:grpSpPr>
+      <p:sp>
+        <p:nvSpPr>
           <p:cNvPr id="2" name="Title 1"/>
           <p:cNvSpPr>
             <a:spLocks noGrp="1"/>
@@ -27180,7 +32311,7 @@
 </p:sld>
 </file>
 
-<file path=ppt/slides/slide7.xml><?xml version="1.0" encoding="utf-8"?>
+<file path=ppt/slides/slide8.xml><?xml version="1.0" encoding="utf-8"?>
 <p:sld xmlns:a="http://schemas.openxmlformats.org/drawingml/2006/main" xmlns:r="http://schemas.openxmlformats.org/officeDocument/2006/relationships" xmlns:p="http://schemas.openxmlformats.org/presentationml/2006/main">
   <p:cSld>
     <p:spTree>
@@ -28089,7 +33220,7 @@
 </p:sld>
 </file>
 
-<file path=ppt/slides/slide8.xml><?xml version="1.0" encoding="utf-8"?>
+<file path=ppt/slides/slide9.xml><?xml version="1.0" encoding="utf-8"?>
 <p:sld xmlns:a="http://schemas.openxmlformats.org/drawingml/2006/main" xmlns:r="http://schemas.openxmlformats.org/officeDocument/2006/relationships" xmlns:p="http://schemas.openxmlformats.org/presentationml/2006/main">
   <p:cSld>
     <p:spTree>
@@ -29178,89 +34309,6 @@
     <p:extLst>
       <p:ext uri="{BB962C8B-B14F-4D97-AF65-F5344CB8AC3E}">
         <p14:creationId xmlns:p14="http://schemas.microsoft.com/office/powerpoint/2010/main" val="1799278811"/>
-      </p:ext>
-    </p:extLst>
-  </p:cSld>
-  <p:clrMapOvr>
-    <a:masterClrMapping/>
-  </p:clrMapOvr>
-  <p:timing>
-    <p:tnLst>
-      <p:par>
-        <p:cTn id="1" dur="indefinite" restart="never" nodeType="tmRoot"/>
-      </p:par>
-    </p:tnLst>
-  </p:timing>
-</p:sld>
-</file>
-
-<file path=ppt/slides/slide9.xml><?xml version="1.0" encoding="utf-8"?>
-<p:sld xmlns:a="http://schemas.openxmlformats.org/drawingml/2006/main" xmlns:r="http://schemas.openxmlformats.org/officeDocument/2006/relationships" xmlns:p="http://schemas.openxmlformats.org/presentationml/2006/main">
-  <p:cSld>
-    <p:spTree>
-      <p:nvGrpSpPr>
-        <p:cNvPr id="1" name=""/>
-        <p:cNvGrpSpPr/>
-        <p:nvPr/>
-      </p:nvGrpSpPr>
-      <p:grpSpPr>
-        <a:xfrm>
-          <a:off x="0" y="0"/>
-          <a:ext cx="0" cy="0"/>
-          <a:chOff x="0" y="0"/>
-          <a:chExt cx="0" cy="0"/>
-        </a:xfrm>
-      </p:grpSpPr>
-      <p:sp>
-        <p:nvSpPr>
-          <p:cNvPr id="2" name="Title 1"/>
-          <p:cNvSpPr>
-            <a:spLocks noGrp="1"/>
-          </p:cNvSpPr>
-          <p:nvPr>
-            <p:ph type="title"/>
-          </p:nvPr>
-        </p:nvSpPr>
-        <p:spPr/>
-        <p:txBody>
-          <a:bodyPr/>
-          <a:lstStyle/>
-          <a:p>
-            <a:r>
-              <a:rPr lang="en-US" dirty="0" smtClean="0"/>
-              <a:t>Authenticat</a:t>
-            </a:r>
-            <a:r>
-              <a:rPr lang="en-US" u="sng" dirty="0" smtClean="0"/>
-              <a:t>ed</a:t>
-            </a:r>
-            <a:endParaRPr lang="en-US" u="sng" dirty="0"/>
-          </a:p>
-        </p:txBody>
-      </p:sp>
-      <p:sp>
-        <p:nvSpPr>
-          <p:cNvPr id="3" name="Content Placeholder 2"/>
-          <p:cNvSpPr>
-            <a:spLocks noGrp="1"/>
-          </p:cNvSpPr>
-          <p:nvPr>
-            <p:ph idx="1"/>
-          </p:nvPr>
-        </p:nvSpPr>
-        <p:spPr/>
-        <p:txBody>
-          <a:bodyPr/>
-          <a:lstStyle/>
-          <a:p>
-            <a:endParaRPr lang="en-US"/>
-          </a:p>
-        </p:txBody>
-      </p:sp>
-    </p:spTree>
-    <p:extLst>
-      <p:ext uri="{BB962C8B-B14F-4D97-AF65-F5344CB8AC3E}">
-        <p14:creationId xmlns:p14="http://schemas.microsoft.com/office/powerpoint/2010/main" val="999207344"/>
       </p:ext>
     </p:extLst>
   </p:cSld>
